--- a/documents/presentations/general/ACDC_Framework_Final_v6.pptx
+++ b/documents/presentations/general/ACDC_Framework_Final_v6.pptx
@@ -11074,8 +11074,8 @@
           </a:p>
         </p:txBody>
       </p:sp>
-      <mc:AlternateContent xmlns:mc="http://schemas.openxmlformats.org/markup-compatibility/2006">
-        <mc:Choice xmlns:a14="http://schemas.microsoft.com/office/drawing/2010/main" Requires="a14">
+      <mc:AlternateContent xmlns:mc="http://schemas.openxmlformats.org/markup-compatibility/2006" xmlns:a14="http://schemas.microsoft.com/office/drawing/2010/main">
+        <mc:Choice Requires="a14">
           <p:sp>
             <p:nvSpPr>
               <p:cNvPr id="3" name="Content Placeholder 2"/>
@@ -11298,7 +11298,7 @@
             </p:txBody>
           </p:sp>
         </mc:Choice>
-        <mc:Fallback>
+        <mc:Fallback xmlns="">
           <p:sp>
             <p:nvSpPr>
               <p:cNvPr id="3" name="Content Placeholder 2"/>
@@ -12469,8 +12469,16 @@
             </a:pPr>
             <a:r>
               <a:rPr dirty="0"/>
-              <a:t>From Template to Study: Three Layers</a:t>
-            </a:r>
+              <a:t>From Template to Study: </a:t>
+            </a:r>
+            <a:r>
+              <a:rPr lang="da-DK"/>
+              <a:t>Model </a:t>
+            </a:r>
+            <a:r>
+              <a:t>Layers</a:t>
+            </a:r>
+            <a:endParaRPr dirty="0"/>
           </a:p>
           <a:p>
             <a:pPr marL="365760" indent="-182880" algn="l">
@@ -13565,8 +13573,8 @@
           </a:p>
         </p:txBody>
       </p:sp>
-      <mc:AlternateContent xmlns:mc="http://schemas.openxmlformats.org/markup-compatibility/2006">
-        <mc:Choice xmlns:a14="http://schemas.microsoft.com/office/drawing/2010/main" Requires="a14">
+      <mc:AlternateContent xmlns:mc="http://schemas.openxmlformats.org/markup-compatibility/2006" xmlns:a14="http://schemas.microsoft.com/office/drawing/2010/main">
+        <mc:Choice Requires="a14">
           <p:sp>
             <p:nvSpPr>
               <p:cNvPr id="3" name="Content Placeholder 2">
@@ -13733,7 +13741,7 @@
             </p:txBody>
           </p:sp>
         </mc:Choice>
-        <mc:Fallback>
+        <mc:Fallback xmlns="">
           <p:sp>
             <p:nvSpPr>
               <p:cNvPr id="3" name="Content Placeholder 2">
@@ -21375,6 +21383,27 @@
 </file>
 
 <file path=customXml/item1.xml><?xml version="1.0" encoding="utf-8"?>
+<?mso-contentType ?>
+<FormTemplates xmlns="http://schemas.microsoft.com/sharepoint/v3/contenttype/forms">
+  <Display>DocumentLibraryForm</Display>
+  <Edit>DocumentLibraryForm</Edit>
+  <New>DocumentLibraryForm</New>
+</FormTemplates>
+</file>
+
+<file path=customXml/item2.xml><?xml version="1.0" encoding="utf-8"?>
+<p:properties xmlns:p="http://schemas.microsoft.com/office/2006/metadata/properties" xmlns:xsi="http://www.w3.org/2001/XMLSchema-instance" xmlns:pc="http://schemas.microsoft.com/office/infopath/2007/PartnerControls">
+  <documentManagement>
+    <MediaLengthInSeconds xmlns="98eacbea-7562-4a40-a7f2-e999cdc0cec5" xsi:nil="true"/>
+    <lcf76f155ced4ddcb4097134ff3c332f xmlns="98eacbea-7562-4a40-a7f2-e999cdc0cec5">
+      <Terms xmlns="http://schemas.microsoft.com/office/infopath/2007/PartnerControls"/>
+    </lcf76f155ced4ddcb4097134ff3c332f>
+    <TaxCatchAll xmlns="75bf9804-c18d-470a-a27f-eeaf4abcd247" xsi:nil="true"/>
+  </documentManagement>
+</p:properties>
+</file>
+
+<file path=customXml/item3.xml><?xml version="1.0" encoding="utf-8"?>
 <ct:contentTypeSchema xmlns:ct="http://schemas.microsoft.com/office/2006/metadata/contentType" xmlns:ma="http://schemas.microsoft.com/office/2006/metadata/properties/metaAttributes" ct:_="" ma:_="" ma:contentTypeName="Document" ma:contentTypeID="0x010100D47D794EB48E7144959FE534A5ED3D9A" ma:contentTypeVersion="13" ma:contentTypeDescription="Create a new document." ma:contentTypeScope="" ma:versionID="332ebed6bf1f21540ac8ed4139e2af2e">
   <xsd:schema xmlns:xsd="http://www.w3.org/2001/XMLSchema" xmlns:xs="http://www.w3.org/2001/XMLSchema" xmlns:p="http://schemas.microsoft.com/office/2006/metadata/properties" xmlns:ns2="98eacbea-7562-4a40-a7f2-e999cdc0cec5" xmlns:ns3="75bf9804-c18d-470a-a27f-eeaf4abcd247" targetNamespace="http://schemas.microsoft.com/office/2006/metadata/properties" ma:root="true" ma:fieldsID="9643d50ff51ef4e8f7efba950a0a6c6b" ns2:_="" ns3:_="">
     <xsd:import namespace="98eacbea-7562-4a40-a7f2-e999cdc0cec5"/>
@@ -21581,42 +21610,10 @@
 </ct:contentTypeSchema>
 </file>
 
-<file path=customXml/item2.xml><?xml version="1.0" encoding="utf-8"?>
-<p:properties xmlns:p="http://schemas.microsoft.com/office/2006/metadata/properties" xmlns:xsi="http://www.w3.org/2001/XMLSchema-instance" xmlns:pc="http://schemas.microsoft.com/office/infopath/2007/PartnerControls">
-  <documentManagement>
-    <MediaLengthInSeconds xmlns="98eacbea-7562-4a40-a7f2-e999cdc0cec5" xsi:nil="true"/>
-    <lcf76f155ced4ddcb4097134ff3c332f xmlns="98eacbea-7562-4a40-a7f2-e999cdc0cec5">
-      <Terms xmlns="http://schemas.microsoft.com/office/infopath/2007/PartnerControls"/>
-    </lcf76f155ced4ddcb4097134ff3c332f>
-    <TaxCatchAll xmlns="75bf9804-c18d-470a-a27f-eeaf4abcd247" xsi:nil="true"/>
-  </documentManagement>
-</p:properties>
-</file>
-
-<file path=customXml/item3.xml><?xml version="1.0" encoding="utf-8"?>
-<?mso-contentType ?>
-<FormTemplates xmlns="http://schemas.microsoft.com/sharepoint/v3/contenttype/forms">
-  <Display>DocumentLibraryForm</Display>
-  <Edit>DocumentLibraryForm</Edit>
-  <New>DocumentLibraryForm</New>
-</FormTemplates>
-</file>
-
 <file path=customXml/itemProps1.xml><?xml version="1.0" encoding="utf-8"?>
-<ds:datastoreItem xmlns:ds="http://schemas.openxmlformats.org/officeDocument/2006/customXml" ds:itemID="{39A0DB44-58DC-4864-B5DB-6A708BBC1847}">
+<ds:datastoreItem xmlns:ds="http://schemas.openxmlformats.org/officeDocument/2006/customXml" ds:itemID="{3B69330B-154C-43B9-AAF7-1A571867C6C9}">
   <ds:schemaRefs>
-    <ds:schemaRef ds:uri="http://schemas.microsoft.com/office/2006/metadata/contentType"/>
-    <ds:schemaRef ds:uri="http://schemas.microsoft.com/office/2006/metadata/properties/metaAttributes"/>
-    <ds:schemaRef ds:uri="http://www.w3.org/2001/XMLSchema"/>
-    <ds:schemaRef ds:uri="http://schemas.microsoft.com/office/2006/metadata/properties"/>
-    <ds:schemaRef ds:uri="98eacbea-7562-4a40-a7f2-e999cdc0cec5"/>
-    <ds:schemaRef ds:uri="75bf9804-c18d-470a-a27f-eeaf4abcd247"/>
-    <ds:schemaRef ds:uri="http://schemas.microsoft.com/office/2006/documentManagement/types"/>
-    <ds:schemaRef ds:uri="http://schemas.microsoft.com/office/infopath/2007/PartnerControls"/>
-    <ds:schemaRef ds:uri="http://schemas.openxmlformats.org/package/2006/metadata/core-properties"/>
-    <ds:schemaRef ds:uri="http://purl.org/dc/elements/1.1/"/>
-    <ds:schemaRef ds:uri="http://purl.org/dc/terms/"/>
-    <ds:schemaRef ds:uri="http://schemas.microsoft.com/internal/obd"/>
+    <ds:schemaRef ds:uri="http://schemas.microsoft.com/sharepoint/v3/contenttype/forms"/>
   </ds:schemaRefs>
 </ds:datastoreItem>
 </file>
@@ -21643,9 +21640,20 @@
 </file>
 
 <file path=customXml/itemProps3.xml><?xml version="1.0" encoding="utf-8"?>
-<ds:datastoreItem xmlns:ds="http://schemas.openxmlformats.org/officeDocument/2006/customXml" ds:itemID="{3B69330B-154C-43B9-AAF7-1A571867C6C9}">
+<ds:datastoreItem xmlns:ds="http://schemas.openxmlformats.org/officeDocument/2006/customXml" ds:itemID="{39A0DB44-58DC-4864-B5DB-6A708BBC1847}">
   <ds:schemaRefs>
-    <ds:schemaRef ds:uri="http://schemas.microsoft.com/sharepoint/v3/contenttype/forms"/>
+    <ds:schemaRef ds:uri="http://schemas.microsoft.com/office/2006/metadata/contentType"/>
+    <ds:schemaRef ds:uri="http://schemas.microsoft.com/office/2006/metadata/properties/metaAttributes"/>
+    <ds:schemaRef ds:uri="http://www.w3.org/2001/XMLSchema"/>
+    <ds:schemaRef ds:uri="http://schemas.microsoft.com/office/2006/metadata/properties"/>
+    <ds:schemaRef ds:uri="98eacbea-7562-4a40-a7f2-e999cdc0cec5"/>
+    <ds:schemaRef ds:uri="75bf9804-c18d-470a-a27f-eeaf4abcd247"/>
+    <ds:schemaRef ds:uri="http://schemas.microsoft.com/office/2006/documentManagement/types"/>
+    <ds:schemaRef ds:uri="http://schemas.microsoft.com/office/infopath/2007/PartnerControls"/>
+    <ds:schemaRef ds:uri="http://schemas.openxmlformats.org/package/2006/metadata/core-properties"/>
+    <ds:schemaRef ds:uri="http://purl.org/dc/elements/1.1/"/>
+    <ds:schemaRef ds:uri="http://purl.org/dc/terms/"/>
+    <ds:schemaRef ds:uri="http://schemas.microsoft.com/internal/obd"/>
   </ds:schemaRefs>
 </ds:datastoreItem>
 </file>
--- a/documents/presentations/general/ACDC_Framework_Final_v6.pptx
+++ b/documents/presentations/general/ACDC_Framework_Final_v6.pptx
@@ -5,10 +5,10 @@
     <p:sldMasterId id="2147483674" r:id="rId4"/>
   </p:sldMasterIdLst>
   <p:notesMasterIdLst>
-    <p:notesMasterId r:id="rId41"/>
+    <p:notesMasterId r:id="rId40"/>
   </p:notesMasterIdLst>
   <p:handoutMasterIdLst>
-    <p:handoutMasterId r:id="rId42"/>
+    <p:handoutMasterId r:id="rId41"/>
   </p:handoutMasterIdLst>
   <p:sldIdLst>
     <p:sldId id="283" r:id="rId5"/>
@@ -36,17 +36,16 @@
     <p:sldId id="323" r:id="rId27"/>
     <p:sldId id="317" r:id="rId28"/>
     <p:sldId id="313" r:id="rId29"/>
-    <p:sldId id="326" r:id="rId30"/>
-    <p:sldId id="319" r:id="rId31"/>
-    <p:sldId id="308" r:id="rId32"/>
-    <p:sldId id="304" r:id="rId33"/>
-    <p:sldId id="305" r:id="rId34"/>
-    <p:sldId id="306" r:id="rId35"/>
-    <p:sldId id="336" r:id="rId36"/>
-    <p:sldId id="314" r:id="rId37"/>
-    <p:sldId id="315" r:id="rId38"/>
-    <p:sldId id="337" r:id="rId39"/>
-    <p:sldId id="273" r:id="rId40"/>
+    <p:sldId id="319" r:id="rId30"/>
+    <p:sldId id="308" r:id="rId31"/>
+    <p:sldId id="304" r:id="rId32"/>
+    <p:sldId id="305" r:id="rId33"/>
+    <p:sldId id="306" r:id="rId34"/>
+    <p:sldId id="336" r:id="rId35"/>
+    <p:sldId id="314" r:id="rId36"/>
+    <p:sldId id="315" r:id="rId37"/>
+    <p:sldId id="337" r:id="rId38"/>
+    <p:sldId id="273" r:id="rId39"/>
   </p:sldIdLst>
   <p:sldSz cx="9144000" cy="5143500" type="screen16x9"/>
   <p:notesSz cx="6858000" cy="9144000"/>
@@ -863,7 +862,7 @@
           <a:p>
             <a:fld id="{F7021451-1387-4CA6-816F-3879F97B5CBC}" type="slidenum">
               <a:rPr lang="en-US"/>
-              <a:t>36</a:t>
+              <a:t>35</a:t>
             </a:fld>
             <a:endParaRPr lang="en-US"/>
           </a:p>
@@ -7591,7 +7590,7 @@
         <p:spPr>
           <a:xfrm>
             <a:off x="594360" y="2211451"/>
-            <a:ext cx="3657600" cy="274320"/>
+            <a:ext cx="3657600" cy="230832"/>
           </a:xfrm>
           <a:prstGeom prst="rect">
             <a:avLst/>
@@ -7613,8 +7612,18 @@
               </a:defRPr>
             </a:pPr>
             <a:r>
-              <a:t>ADaM: AVAL | SDTM: STRESN | OMOP: value_as_number</a:t>
-            </a:r>
+              <a:rPr dirty="0" err="1"/>
+              <a:t>ADaM</a:t>
+            </a:r>
+            <a:r>
+              <a:rPr dirty="0"/>
+              <a:t>: AVAL | OMOP: </a:t>
+            </a:r>
+            <a:r>
+              <a:rPr dirty="0" err="1"/>
+              <a:t>value_as_number</a:t>
+            </a:r>
+            <a:endParaRPr dirty="0"/>
           </a:p>
         </p:txBody>
       </p:sp>
@@ -7745,7 +7754,7 @@
         <p:spPr>
           <a:xfrm>
             <a:off x="594360" y="2988691"/>
-            <a:ext cx="3657600" cy="274320"/>
+            <a:ext cx="3657600" cy="230832"/>
           </a:xfrm>
           <a:prstGeom prst="rect">
             <a:avLst/>
@@ -7767,7 +7776,12 @@
               </a:defRPr>
             </a:pPr>
             <a:r>
-              <a:t>ADaM: BASE | SDTM: (derived) | OMOP: (derived)</a:t>
+              <a:rPr dirty="0" err="1"/>
+              <a:t>ADaM</a:t>
+            </a:r>
+            <a:r>
+              <a:rPr dirty="0"/>
+              <a:t>: BASE |  OMOP: (derived)</a:t>
             </a:r>
           </a:p>
         </p:txBody>
@@ -7899,7 +7913,7 @@
         <p:spPr>
           <a:xfrm>
             <a:off x="594360" y="3765931"/>
-            <a:ext cx="3657600" cy="274320"/>
+            <a:ext cx="3657600" cy="230832"/>
           </a:xfrm>
           <a:prstGeom prst="rect">
             <a:avLst/>
@@ -7921,8 +7935,18 @@
               </a:defRPr>
             </a:pPr>
             <a:r>
-              <a:t>ADaM: TRT01P | SDTM: ARM | OMOP: drug_concept_id</a:t>
-            </a:r>
+              <a:rPr dirty="0" err="1"/>
+              <a:t>ADaM</a:t>
+            </a:r>
+            <a:r>
+              <a:rPr dirty="0"/>
+              <a:t>: TRT01P | OMOP: </a:t>
+            </a:r>
+            <a:r>
+              <a:rPr dirty="0" err="1"/>
+              <a:t>drug_concept_id</a:t>
+            </a:r>
+            <a:endParaRPr dirty="0"/>
           </a:p>
         </p:txBody>
       </p:sp>
@@ -12274,7 +12298,15 @@
             </a:pPr>
             <a:r>
               <a:rPr dirty="0"/>
-              <a:t>The Template's SDMX cube decides whether 'treatment' is a dimension or a factor.</a:t>
+              <a:t>The Template’s </a:t>
+            </a:r>
+            <a:r>
+              <a:rPr lang="da-DK" dirty="0"/>
+              <a:t>W3C</a:t>
+            </a:r>
+            <a:r>
+              <a:rPr dirty="0"/>
+              <a:t> cube decides whether 'treatment' is a dimension or a factor.</a:t>
             </a:r>
           </a:p>
         </p:txBody>
@@ -12423,7 +12455,7 @@
         <p:spPr/>
         <p:txBody>
           <a:bodyPr>
-            <a:normAutofit fontScale="85000" lnSpcReduction="20000"/>
+            <a:normAutofit fontScale="77500" lnSpcReduction="20000"/>
           </a:bodyPr>
           <a:lstStyle/>
           <a:p>
@@ -12472,13 +12504,13 @@
               <a:t>From Template to Study: </a:t>
             </a:r>
             <a:r>
-              <a:rPr lang="da-DK"/>
+              <a:rPr lang="da-DK" dirty="0"/>
               <a:t>Model </a:t>
             </a:r>
             <a:r>
+              <a:rPr dirty="0"/>
               <a:t>Layers</a:t>
             </a:r>
-            <a:endParaRPr dirty="0"/>
           </a:p>
           <a:p>
             <a:pPr marL="365760" indent="-182880" algn="l">
@@ -12490,12 +12522,17 @@
             </a:r>
           </a:p>
           <a:p>
-            <a:pPr marL="365760" indent="-182880" algn="l">
+            <a:pPr marL="365760" indent="-182880">
+              <a:buFont typeface="+mj-lt"/>
               <a:buChar char="•"/>
             </a:pPr>
             <a:r>
               <a:rPr dirty="0"/>
-              <a:t>SDMX Data Cubes: The Technical Foundation</a:t>
+              <a:t>SDMX Data Cubes: </a:t>
+            </a:r>
+            <a:r>
+              <a:rPr lang="en-GB" dirty="0"/>
+              <a:t>The Technical Foundation for Machine-Executable Specifications</a:t>
             </a:r>
             <a:endParaRPr lang="da-DK" dirty="0"/>
           </a:p>
@@ -12641,23 +12678,30 @@
           <a:prstGeom prst="rect">
             <a:avLst/>
           </a:prstGeom>
-          <a:noFill/>
-        </p:spPr>
-        <p:txBody>
-          <a:bodyPr wrap="none">
-            <a:spAutoFit/>
+        </p:spPr>
+        <p:txBody>
+          <a:bodyPr vert="horz" lIns="0" tIns="0" rIns="0" bIns="0" rtlCol="0" anchor="ctr">
+            <a:normAutofit/>
           </a:bodyPr>
-          <a:lstStyle/>
-          <a:p>
-            <a:pPr marL="0" indent="0">
-              <a:buNone/>
-              <a:defRPr sz="3600" b="1">
-                <a:solidFill>
-                  <a:srgbClr val="005A8B"/>
-                </a:solidFill>
-              </a:defRPr>
-            </a:pPr>
-            <a:r>
+          <a:lstStyle>
+            <a:lvl1pPr indent="0" defTabSz="685800">
+              <a:lnSpc>
+                <a:spcPct val="90000"/>
+              </a:lnSpc>
+              <a:spcBef>
+                <a:spcPct val="0"/>
+              </a:spcBef>
+              <a:buNone/>
+              <a:defRPr sz="2400" b="1">
+                <a:latin typeface="+mj-lt"/>
+                <a:ea typeface="+mj-ea"/>
+                <a:cs typeface="+mj-cs"/>
+              </a:defRPr>
+            </a:lvl1pPr>
+          </a:lstStyle>
+          <a:p>
+            <a:r>
+              <a:rPr dirty="0"/>
               <a:t>Layer 1: The Recipe Card (Template)</a:t>
             </a:r>
           </a:p>
@@ -12672,7 +12716,7 @@
         <p:spPr>
           <a:xfrm>
             <a:off x="685800" y="1188720"/>
-            <a:ext cx="8001000" cy="3657600"/>
+            <a:ext cx="8001000" cy="2800767"/>
           </a:xfrm>
           <a:prstGeom prst="rect">
             <a:avLst/>
@@ -12694,56 +12738,86 @@
               </a:defRPr>
             </a:pPr>
             <a:r>
+              <a:rPr dirty="0"/>
               <a:t>You decide to make vinaigrette — you pull out the recipe card (Template)</a:t>
             </a:r>
+            <a:endParaRPr lang="da-DK" dirty="0"/>
           </a:p>
           <a:p>
             <a:pPr marL="0" indent="0">
               <a:buNone/>
-            </a:pPr>
-            <a:r>
-              <a:rPr b="1"/>
+              <a:defRPr sz="1600">
+                <a:solidFill>
+                  <a:srgbClr val="333333"/>
+                </a:solidFill>
+              </a:defRPr>
+            </a:pPr>
+            <a:endParaRPr dirty="0"/>
+          </a:p>
+          <a:p>
+            <a:pPr marL="0" indent="0">
+              <a:buNone/>
+            </a:pPr>
+            <a:r>
+              <a:rPr b="1" dirty="0"/>
               <a:t>Tonight's Vinaigrette Instance:</a:t>
             </a:r>
           </a:p>
           <a:p>
+            <a:pPr marL="285750" indent="-285750">
+              <a:buFont typeface="Wingdings" pitchFamily="2" charset="2"/>
+              <a:buChar char="Ø"/>
+            </a:pPr>
+            <a:r>
+              <a:rPr dirty="0"/>
+              <a:t>Using recipe: Classic Vinaigrette</a:t>
+            </a:r>
+          </a:p>
+          <a:p>
+            <a:pPr marL="285750" indent="-285750">
+              <a:buFont typeface="Wingdings" pitchFamily="2" charset="2"/>
+              <a:buChar char="Ø"/>
+            </a:pPr>
+            <a:r>
+              <a:rPr dirty="0"/>
+              <a:t>For: Caesar salad</a:t>
+            </a:r>
+          </a:p>
+          <a:p>
+            <a:pPr marL="285750" indent="-285750">
+              <a:buFont typeface="Wingdings" pitchFamily="2" charset="2"/>
+              <a:buChar char="Ø"/>
+            </a:pPr>
+            <a:r>
+              <a:rPr dirty="0"/>
+              <a:t>Serving: 4 people</a:t>
+            </a:r>
+            <a:endParaRPr lang="da-DK" dirty="0"/>
+          </a:p>
+          <a:p>
+            <a:endParaRPr dirty="0"/>
+          </a:p>
+          <a:p>
             <a:pPr marL="0" indent="0">
               <a:buNone/>
             </a:pPr>
             <a:r>
-              <a:t>Using recipe: Classic Vinaigrette</a:t>
+              <a:rPr b="1" dirty="0"/>
+              <a:t>The Template captures your clinical analysis intent</a:t>
             </a:r>
           </a:p>
           <a:p>
             <a:pPr marL="0" indent="0">
               <a:buNone/>
             </a:pPr>
-            <a:r>
-              <a:t>For: Caesar salad</a:t>
-            </a:r>
+            <a:endParaRPr lang="da-DK" dirty="0"/>
           </a:p>
           <a:p>
             <a:pPr marL="0" indent="0">
               <a:buNone/>
             </a:pPr>
             <a:r>
-              <a:t>Serving: 4 people</a:t>
-            </a:r>
-          </a:p>
-          <a:p>
-            <a:pPr marL="0" indent="0">
-              <a:buNone/>
-            </a:pPr>
-            <a:r>
-              <a:rPr b="1"/>
-              <a:t>The Template captures your clinical analysis intent</a:t>
-            </a:r>
-          </a:p>
-          <a:p>
-            <a:pPr marL="0" indent="0">
-              <a:buNone/>
-            </a:pPr>
-            <a:r>
+              <a:rPr dirty="0"/>
               <a:t>It references semantic concepts, not physical variables</a:t>
             </a:r>
           </a:p>
@@ -12788,24 +12862,34 @@
           <a:prstGeom prst="rect">
             <a:avLst/>
           </a:prstGeom>
-          <a:noFill/>
-        </p:spPr>
-        <p:txBody>
-          <a:bodyPr wrap="none">
-            <a:spAutoFit/>
+        </p:spPr>
+        <p:txBody>
+          <a:bodyPr vert="horz" lIns="0" tIns="0" rIns="0" bIns="0" rtlCol="0" anchor="ctr">
+            <a:normAutofit fontScale="85000" lnSpcReduction="10000"/>
           </a:bodyPr>
-          <a:lstStyle/>
-          <a:p>
-            <a:pPr marL="0" indent="0">
-              <a:buNone/>
-              <a:defRPr sz="3600" b="1">
-                <a:solidFill>
-                  <a:srgbClr val="005A8B"/>
-                </a:solidFill>
-              </a:defRPr>
-            </a:pPr>
-            <a:r>
-              <a:t>Layer 2: The Pantry (CTM Bindings)</a:t>
+          <a:lstStyle>
+            <a:defPPr>
+              <a:defRPr lang="en-US"/>
+            </a:defPPr>
+            <a:lvl1pPr indent="0" defTabSz="685800">
+              <a:lnSpc>
+                <a:spcPct val="90000"/>
+              </a:lnSpc>
+              <a:spcBef>
+                <a:spcPct val="0"/>
+              </a:spcBef>
+              <a:buNone/>
+              <a:defRPr sz="2400" b="1">
+                <a:latin typeface="+mj-lt"/>
+                <a:ea typeface="+mj-ea"/>
+                <a:cs typeface="+mj-cs"/>
+              </a:defRPr>
+            </a:lvl1pPr>
+          </a:lstStyle>
+          <a:p>
+            <a:r>
+              <a:rPr lang="en-GB" noProof="1"/>
+              <a:t>Layer 2: The Pantry (Semantic TE Bindings)</a:t>
             </a:r>
           </a:p>
         </p:txBody>
@@ -12819,7 +12903,7 @@
         <p:spPr>
           <a:xfrm>
             <a:off x="685800" y="1188720"/>
-            <a:ext cx="8001000" cy="3657600"/>
+            <a:ext cx="8001000" cy="2831544"/>
           </a:xfrm>
           <a:prstGeom prst="rect">
             <a:avLst/>
@@ -12841,6 +12925,7 @@
               </a:defRPr>
             </a:pPr>
             <a:r>
+              <a:rPr lang="en-GB" noProof="1"/>
               <a:t>Your pantry has a labeling system — the jar labeled 'OIL' holds different products</a:t>
             </a:r>
           </a:p>
@@ -12848,16 +12933,23 @@
             <a:pPr marL="0" indent="0">
               <a:buNone/>
             </a:pPr>
-            <a:r>
-              <a:rPr b="1"/>
-              <a:t>CTM Bindings map concepts to standards:</a:t>
-            </a:r>
+            <a:endParaRPr lang="en-GB" b="1" noProof="1"/>
           </a:p>
           <a:p>
             <a:pPr marL="0" indent="0">
               <a:buNone/>
             </a:pPr>
             <a:r>
+              <a:rPr lang="en-GB" b="1" noProof="1"/>
+              <a:t>CSTM Bindings map concepts to standards:</a:t>
+            </a:r>
+          </a:p>
+          <a:p>
+            <a:pPr marL="0" indent="0">
+              <a:buNone/>
+            </a:pPr>
+            <a:r>
+              <a:rPr lang="en-GB" noProof="1"/>
               <a:t>ADaM: AVAL → analysis_value</a:t>
             </a:r>
           </a:p>
@@ -12866,6 +12958,7 @@
               <a:buNone/>
             </a:pPr>
             <a:r>
+              <a:rPr lang="en-GB" noProof="1"/>
               <a:t>ADaM: BASE → baseline_value</a:t>
             </a:r>
           </a:p>
@@ -12874,6 +12967,7 @@
               <a:buNone/>
             </a:pPr>
             <a:r>
+              <a:rPr lang="en-GB" noProof="1"/>
               <a:t>ADaM: CHG → change_value</a:t>
             </a:r>
           </a:p>
@@ -12881,17 +12975,30 @@
             <a:pPr marL="0" indent="0">
               <a:buNone/>
             </a:pPr>
-            <a:r>
-              <a:rPr b="1"/>
-              <a:t>The CTM is the semantic connector</a:t>
-            </a:r>
+            <a:endParaRPr lang="en-GB" b="1" noProof="1"/>
           </a:p>
           <a:p>
             <a:pPr marL="0" indent="0">
               <a:buNone/>
             </a:pPr>
             <a:r>
-              <a:t>Same labels work with ADaM, SDTM, OMOP, FHIR</a:t>
+              <a:rPr lang="en-GB" b="1" noProof="1"/>
+              <a:t>The Semantic TE is the semantic connector</a:t>
+            </a:r>
+          </a:p>
+          <a:p>
+            <a:pPr marL="0" indent="0">
+              <a:buNone/>
+            </a:pPr>
+            <a:endParaRPr lang="en-GB" noProof="1"/>
+          </a:p>
+          <a:p>
+            <a:pPr marL="0" indent="0">
+              <a:buNone/>
+            </a:pPr>
+            <a:r>
+              <a:rPr lang="en-GB" noProof="1"/>
+              <a:t>Same labels work with ADaM/SDTM, OMOP, FHIR</a:t>
             </a:r>
           </a:p>
         </p:txBody>
@@ -12935,23 +13042,33 @@
           <a:prstGeom prst="rect">
             <a:avLst/>
           </a:prstGeom>
-          <a:noFill/>
-        </p:spPr>
-        <p:txBody>
-          <a:bodyPr wrap="none">
-            <a:spAutoFit/>
+        </p:spPr>
+        <p:txBody>
+          <a:bodyPr vert="horz" lIns="0" tIns="0" rIns="0" bIns="0" rtlCol="0" anchor="ctr">
+            <a:normAutofit/>
           </a:bodyPr>
-          <a:lstStyle/>
-          <a:p>
-            <a:pPr marL="0" indent="0">
-              <a:buNone/>
-              <a:defRPr sz="3600" b="1">
-                <a:solidFill>
-                  <a:srgbClr val="005A8B"/>
-                </a:solidFill>
-              </a:defRPr>
-            </a:pPr>
-            <a:r>
+          <a:lstStyle>
+            <a:defPPr>
+              <a:defRPr lang="en-US"/>
+            </a:defPPr>
+            <a:lvl1pPr indent="0" defTabSz="685800">
+              <a:lnSpc>
+                <a:spcPct val="90000"/>
+              </a:lnSpc>
+              <a:spcBef>
+                <a:spcPct val="0"/>
+              </a:spcBef>
+              <a:buNone/>
+              <a:defRPr sz="2400" b="1">
+                <a:latin typeface="+mj-lt"/>
+                <a:ea typeface="+mj-ea"/>
+                <a:cs typeface="+mj-cs"/>
+              </a:defRPr>
+            </a:lvl1pPr>
+          </a:lstStyle>
+          <a:p>
+            <a:r>
+              <a:rPr dirty="0"/>
               <a:t>Layer 3: Actual Products (Implementation)</a:t>
             </a:r>
           </a:p>
@@ -12966,7 +13083,7 @@
         <p:spPr>
           <a:xfrm>
             <a:off x="685800" y="1188720"/>
-            <a:ext cx="8001000" cy="3657600"/>
+            <a:ext cx="8001000" cy="2831544"/>
           </a:xfrm>
           <a:prstGeom prst="rect">
             <a:avLst/>
@@ -12988,6 +13105,7 @@
               </a:defRPr>
             </a:pPr>
             <a:r>
+              <a:rPr dirty="0"/>
               <a:t>When you open the pantry, you grab actual physical items</a:t>
             </a:r>
           </a:p>
@@ -12995,49 +13113,74 @@
             <a:pPr marL="0" indent="0">
               <a:buNone/>
             </a:pPr>
-            <a:r>
-              <a:rPr b="1"/>
+            <a:endParaRPr lang="da-DK" b="1" dirty="0"/>
+          </a:p>
+          <a:p>
+            <a:pPr marL="0" indent="0">
+              <a:buNone/>
+            </a:pPr>
+            <a:r>
+              <a:rPr b="1" dirty="0"/>
               <a:t>Study Implementation:</a:t>
             </a:r>
           </a:p>
           <a:p>
+            <a:pPr marL="285750" indent="-285750">
+              <a:buFont typeface="Wingdings" pitchFamily="2" charset="2"/>
+              <a:buChar char="Ø"/>
+            </a:pPr>
+            <a:r>
+              <a:rPr dirty="0"/>
+              <a:t>AVAL → ADQSADAS.AVAL (physical column)</a:t>
+            </a:r>
+          </a:p>
+          <a:p>
+            <a:pPr marL="285750" indent="-285750">
+              <a:buFont typeface="Wingdings" pitchFamily="2" charset="2"/>
+              <a:buChar char="Ø"/>
+            </a:pPr>
+            <a:r>
+              <a:rPr dirty="0"/>
+              <a:t>BASE → ADQSADAS.BASE</a:t>
+            </a:r>
+          </a:p>
+          <a:p>
+            <a:pPr marL="285750" indent="-285750">
+              <a:buFont typeface="Wingdings" pitchFamily="2" charset="2"/>
+              <a:buChar char="Ø"/>
+            </a:pPr>
+            <a:r>
+              <a:rPr dirty="0"/>
+              <a:t>CHG → ADQSADAS.CHG</a:t>
+            </a:r>
+          </a:p>
+          <a:p>
             <a:pPr marL="0" indent="0">
               <a:buNone/>
             </a:pPr>
-            <a:r>
-              <a:t>AVAL → ADQSADAS.AVAL (physical column)</a:t>
-            </a:r>
+            <a:endParaRPr lang="da-DK" b="1" dirty="0"/>
           </a:p>
           <a:p>
             <a:pPr marL="0" indent="0">
               <a:buNone/>
             </a:pPr>
             <a:r>
-              <a:t>BASE → ADQSADAS.BASE</a:t>
+              <a:rPr b="1" dirty="0"/>
+              <a:t>This is where abstract concepts meet real data</a:t>
             </a:r>
           </a:p>
           <a:p>
             <a:pPr marL="0" indent="0">
               <a:buNone/>
             </a:pPr>
-            <a:r>
-              <a:t>CHG → ADQSADAS.CHG</a:t>
-            </a:r>
+            <a:endParaRPr lang="da-DK" dirty="0"/>
           </a:p>
           <a:p>
             <a:pPr marL="0" indent="0">
               <a:buNone/>
             </a:pPr>
             <a:r>
-              <a:rPr b="1"/>
-              <a:t>This is where abstract concepts meet real data</a:t>
-            </a:r>
-          </a:p>
-          <a:p>
-            <a:pPr marL="0" indent="0">
-              <a:buNone/>
-            </a:pPr>
-            <a:r>
+              <a:rPr dirty="0"/>
               <a:t>And generate executable code</a:t>
             </a:r>
           </a:p>
@@ -13162,8 +13305,356 @@
         </p:nvSpPr>
         <p:spPr>
           <a:xfrm>
-            <a:off x="685800" y="274320"/>
-            <a:ext cx="8229600" cy="731520"/>
+            <a:off x="685800" y="230185"/>
+            <a:ext cx="3417923" cy="432000"/>
+          </a:xfrm>
+          <a:prstGeom prst="rect">
+            <a:avLst/>
+          </a:prstGeom>
+        </p:spPr>
+        <p:txBody>
+          <a:bodyPr vert="horz" lIns="0" tIns="0" rIns="0" bIns="0" rtlCol="0" anchor="ctr">
+            <a:normAutofit/>
+          </a:bodyPr>
+          <a:lstStyle>
+            <a:defPPr>
+              <a:defRPr lang="en-US"/>
+            </a:defPPr>
+            <a:lvl1pPr indent="0" defTabSz="685800">
+              <a:lnSpc>
+                <a:spcPct val="90000"/>
+              </a:lnSpc>
+              <a:spcBef>
+                <a:spcPct val="0"/>
+              </a:spcBef>
+              <a:buNone/>
+              <a:defRPr sz="2400" b="1">
+                <a:latin typeface="+mj-lt"/>
+                <a:ea typeface="+mj-ea"/>
+                <a:cs typeface="+mj-cs"/>
+              </a:defRPr>
+            </a:lvl1pPr>
+          </a:lstStyle>
+          <a:p>
+            <a:r>
+              <a:rPr dirty="0"/>
+              <a:t>Home Kitchen (</a:t>
+            </a:r>
+            <a:r>
+              <a:rPr dirty="0" err="1"/>
+              <a:t>ADaM</a:t>
+            </a:r>
+            <a:r>
+              <a:rPr dirty="0"/>
+              <a:t>)</a:t>
+            </a:r>
+          </a:p>
+        </p:txBody>
+      </p:sp>
+      <p:sp>
+        <p:nvSpPr>
+          <p:cNvPr id="4" name="Title 3">
+            <a:extLst>
+              <a:ext uri="{FF2B5EF4-FFF2-40B4-BE49-F238E27FC236}">
+                <a16:creationId xmlns:a16="http://schemas.microsoft.com/office/drawing/2014/main" id="{CF78B344-D757-0D7A-9215-B4D21E61CE6C}"/>
+              </a:ext>
+            </a:extLst>
+          </p:cNvPr>
+          <p:cNvSpPr>
+            <a:spLocks noGrp="1"/>
+          </p:cNvSpPr>
+          <p:nvPr>
+            <p:ph type="title"/>
+          </p:nvPr>
+        </p:nvSpPr>
+        <p:spPr>
+          <a:xfrm>
+            <a:off x="4846626" y="230185"/>
+            <a:ext cx="4260368" cy="432000"/>
+          </a:xfrm>
+        </p:spPr>
+        <p:txBody>
+          <a:bodyPr vert="horz" lIns="0" tIns="0" rIns="0" bIns="0" rtlCol="0" anchor="ctr">
+            <a:normAutofit/>
+          </a:bodyPr>
+          <a:lstStyle/>
+          <a:p>
+            <a:r>
+              <a:rPr lang="en-GB" dirty="0"/>
+              <a:t>Restaurant Kitchen (OMOP)</a:t>
+            </a:r>
+          </a:p>
+        </p:txBody>
+      </p:sp>
+      <p:sp>
+        <p:nvSpPr>
+          <p:cNvPr id="5" name="Content Placeholder 4">
+            <a:extLst>
+              <a:ext uri="{FF2B5EF4-FFF2-40B4-BE49-F238E27FC236}">
+                <a16:creationId xmlns:a16="http://schemas.microsoft.com/office/drawing/2014/main" id="{2B602246-D1E4-7957-5B33-BDEB7898A5BF}"/>
+              </a:ext>
+            </a:extLst>
+          </p:cNvPr>
+          <p:cNvSpPr>
+            <a:spLocks noGrp="1"/>
+          </p:cNvSpPr>
+          <p:nvPr>
+            <p:ph sz="half" idx="1"/>
+          </p:nvPr>
+        </p:nvSpPr>
+        <p:spPr>
+          <a:xfrm>
+            <a:off x="800100" y="1111250"/>
+            <a:ext cx="3819525" cy="3024145"/>
+          </a:xfrm>
+        </p:spPr>
+        <p:txBody>
+          <a:bodyPr>
+            <a:normAutofit/>
+          </a:bodyPr>
+          <a:lstStyle/>
+          <a:p>
+            <a:pPr marL="0" indent="0">
+              <a:buNone/>
+              <a:defRPr sz="1600">
+                <a:solidFill>
+                  <a:srgbClr val="333333"/>
+                </a:solidFill>
+              </a:defRPr>
+            </a:pPr>
+            <a:r>
+              <a:rPr lang="en-GB" dirty="0"/>
+              <a:t>Template: </a:t>
+            </a:r>
+            <a:r>
+              <a:rPr lang="en-GB" dirty="0" err="1"/>
+              <a:t>ChangeFromBaseline</a:t>
+            </a:r>
+            <a:endParaRPr lang="en-GB" dirty="0"/>
+          </a:p>
+          <a:p>
+            <a:pPr marL="0" indent="0">
+              <a:buNone/>
+              <a:defRPr sz="1600">
+                <a:solidFill>
+                  <a:srgbClr val="333333"/>
+                </a:solidFill>
+              </a:defRPr>
+            </a:pPr>
+            <a:endParaRPr lang="en-GB" dirty="0"/>
+          </a:p>
+          <a:p>
+            <a:pPr marL="0" indent="0">
+              <a:buNone/>
+            </a:pPr>
+            <a:r>
+              <a:rPr lang="en-GB" dirty="0"/>
+              <a:t>Standard: </a:t>
+            </a:r>
+            <a:r>
+              <a:rPr lang="en-GB" dirty="0" err="1"/>
+              <a:t>ADaM</a:t>
+            </a:r>
+            <a:endParaRPr lang="en-GB" dirty="0"/>
+          </a:p>
+          <a:p>
+            <a:pPr marL="0" indent="0">
+              <a:buNone/>
+            </a:pPr>
+            <a:r>
+              <a:rPr lang="en-GB" dirty="0"/>
+              <a:t>Study: ADQSADAS</a:t>
+            </a:r>
+          </a:p>
+          <a:p>
+            <a:pPr marL="0" indent="0">
+              <a:buNone/>
+            </a:pPr>
+            <a:endParaRPr lang="en-GB" b="1" dirty="0"/>
+          </a:p>
+          <a:p>
+            <a:pPr marL="0" indent="0">
+              <a:buNone/>
+            </a:pPr>
+            <a:r>
+              <a:rPr lang="en-GB" b="1" dirty="0"/>
+              <a:t>Generated Code:</a:t>
+            </a:r>
+          </a:p>
+          <a:p>
+            <a:pPr marL="0" indent="0">
+              <a:buNone/>
+            </a:pPr>
+            <a:r>
+              <a:rPr lang="en-GB" dirty="0"/>
+              <a:t>CHG = AVAL - BASE</a:t>
+            </a:r>
+          </a:p>
+          <a:p>
+            <a:pPr marL="0" indent="0">
+              <a:buNone/>
+            </a:pPr>
+            <a:r>
+              <a:rPr lang="en-GB" dirty="0"/>
+              <a:t>PROC GLM; CLASS TRT;</a:t>
+            </a:r>
+          </a:p>
+          <a:p>
+            <a:pPr marL="0" indent="0">
+              <a:buNone/>
+            </a:pPr>
+            <a:r>
+              <a:rPr lang="en-GB" dirty="0"/>
+              <a:t>MODEL CHG = BASE TRT;</a:t>
+            </a:r>
+          </a:p>
+          <a:p>
+            <a:pPr marL="0" indent="0">
+              <a:buNone/>
+            </a:pPr>
+            <a:endParaRPr lang="en-GB" dirty="0"/>
+          </a:p>
+        </p:txBody>
+      </p:sp>
+      <p:sp>
+        <p:nvSpPr>
+          <p:cNvPr id="6" name="Content Placeholder 5">
+            <a:extLst>
+              <a:ext uri="{FF2B5EF4-FFF2-40B4-BE49-F238E27FC236}">
+                <a16:creationId xmlns:a16="http://schemas.microsoft.com/office/drawing/2014/main" id="{C4C55F6B-4754-7F7D-0ED0-D6867D5A6319}"/>
+              </a:ext>
+            </a:extLst>
+          </p:cNvPr>
+          <p:cNvSpPr>
+            <a:spLocks noGrp="1"/>
+          </p:cNvSpPr>
+          <p:nvPr>
+            <p:ph sz="half" idx="2"/>
+          </p:nvPr>
+        </p:nvSpPr>
+        <p:spPr>
+          <a:xfrm>
+            <a:off x="5076824" y="1111250"/>
+            <a:ext cx="3609975" cy="3024145"/>
+          </a:xfrm>
+        </p:spPr>
+        <p:txBody>
+          <a:bodyPr>
+            <a:normAutofit/>
+          </a:bodyPr>
+          <a:lstStyle/>
+          <a:p>
+            <a:pPr marL="0" indent="0">
+              <a:buNone/>
+              <a:defRPr sz="1600">
+                <a:solidFill>
+                  <a:srgbClr val="333333"/>
+                </a:solidFill>
+              </a:defRPr>
+            </a:pPr>
+            <a:r>
+              <a:rPr lang="en-GB" dirty="0"/>
+              <a:t>Template: </a:t>
+            </a:r>
+            <a:r>
+              <a:rPr lang="en-GB" dirty="0" err="1"/>
+              <a:t>ChangeFromBaseline</a:t>
+            </a:r>
+            <a:r>
+              <a:rPr lang="en-GB" dirty="0"/>
+              <a:t> (same!)</a:t>
+            </a:r>
+          </a:p>
+          <a:p>
+            <a:pPr marL="0" indent="0">
+              <a:buNone/>
+              <a:defRPr sz="1600">
+                <a:solidFill>
+                  <a:srgbClr val="333333"/>
+                </a:solidFill>
+              </a:defRPr>
+            </a:pPr>
+            <a:endParaRPr lang="en-GB" dirty="0"/>
+          </a:p>
+          <a:p>
+            <a:pPr marL="0" indent="0">
+              <a:buNone/>
+            </a:pPr>
+            <a:r>
+              <a:rPr lang="en-GB" dirty="0"/>
+              <a:t>Standard: OMOP CDM</a:t>
+            </a:r>
+          </a:p>
+          <a:p>
+            <a:pPr marL="0" indent="0">
+              <a:buNone/>
+            </a:pPr>
+            <a:r>
+              <a:rPr lang="en-GB" dirty="0"/>
+              <a:t>Study: measurement table</a:t>
+            </a:r>
+          </a:p>
+          <a:p>
+            <a:pPr marL="0" indent="0">
+              <a:buNone/>
+            </a:pPr>
+            <a:endParaRPr lang="en-GB" b="1" dirty="0"/>
+          </a:p>
+          <a:p>
+            <a:pPr marL="0" indent="0">
+              <a:buNone/>
+            </a:pPr>
+            <a:r>
+              <a:rPr lang="en-GB" b="1" dirty="0"/>
+              <a:t>Generated Code:</a:t>
+            </a:r>
+          </a:p>
+          <a:p>
+            <a:pPr marL="0" indent="0">
+              <a:buNone/>
+            </a:pPr>
+            <a:r>
+              <a:rPr lang="en-GB" dirty="0"/>
+              <a:t>change = </a:t>
+            </a:r>
+            <a:r>
+              <a:rPr lang="en-GB" dirty="0" err="1"/>
+              <a:t>value_as_number</a:t>
+            </a:r>
+            <a:r>
+              <a:rPr lang="en-GB" dirty="0"/>
+              <a:t> - </a:t>
+            </a:r>
+            <a:r>
+              <a:rPr lang="en-GB" dirty="0" err="1"/>
+              <a:t>baseline_value</a:t>
+            </a:r>
+            <a:endParaRPr lang="en-GB" dirty="0"/>
+          </a:p>
+          <a:p>
+            <a:pPr marL="0" indent="0">
+              <a:buNone/>
+            </a:pPr>
+            <a:endParaRPr lang="en-GB" b="1" dirty="0"/>
+          </a:p>
+        </p:txBody>
+      </p:sp>
+      <p:sp>
+        <p:nvSpPr>
+          <p:cNvPr id="7" name="TextBox 6">
+            <a:extLst>
+              <a:ext uri="{FF2B5EF4-FFF2-40B4-BE49-F238E27FC236}">
+                <a16:creationId xmlns:a16="http://schemas.microsoft.com/office/drawing/2014/main" id="{290E5E08-BB91-3D6A-CC65-6A46E1A2D4FC}"/>
+              </a:ext>
+            </a:extLst>
+          </p:cNvPr>
+          <p:cNvSpPr txBox="1"/>
+          <p:nvPr/>
+        </p:nvSpPr>
+        <p:spPr>
+          <a:xfrm>
+            <a:off x="2709862" y="4334979"/>
+            <a:ext cx="4003976" cy="693712"/>
           </a:xfrm>
           <a:prstGeom prst="rect">
             <a:avLst/>
@@ -13171,107 +13662,24 @@
           <a:noFill/>
         </p:spPr>
         <p:txBody>
-          <a:bodyPr wrap="none">
+          <a:bodyPr wrap="square" rtlCol="0">
             <a:spAutoFit/>
           </a:bodyPr>
           <a:lstStyle/>
           <a:p>
-            <a:pPr marL="0" indent="0">
-              <a:buNone/>
-              <a:defRPr sz="3600" b="1">
-                <a:solidFill>
-                  <a:srgbClr val="005A8B"/>
-                </a:solidFill>
-              </a:defRPr>
-            </a:pPr>
-            <a:r>
-              <a:t>Home Kitchen (ADaM)</a:t>
-            </a:r>
-          </a:p>
-        </p:txBody>
-      </p:sp>
-      <p:sp>
-        <p:nvSpPr>
-          <p:cNvPr id="3" name="TextBox 2"/>
-          <p:cNvSpPr txBox="1"/>
-          <p:nvPr/>
-        </p:nvSpPr>
-        <p:spPr>
-          <a:xfrm>
-            <a:off x="685800" y="1188720"/>
-            <a:ext cx="8001000" cy="3657600"/>
-          </a:xfrm>
-          <a:prstGeom prst="rect">
-            <a:avLst/>
-          </a:prstGeom>
-          <a:noFill/>
-        </p:spPr>
-        <p:txBody>
-          <a:bodyPr wrap="square">
-            <a:spAutoFit/>
-          </a:bodyPr>
-          <a:lstStyle/>
-          <a:p>
-            <a:pPr marL="0" indent="0">
-              <a:buNone/>
-              <a:defRPr sz="1600">
-                <a:solidFill>
-                  <a:srgbClr val="333333"/>
-                </a:solidFill>
-              </a:defRPr>
-            </a:pPr>
-            <a:r>
-              <a:t>Template: ChangeFromBaseline</a:t>
-            </a:r>
-          </a:p>
-          <a:p>
-            <a:pPr marL="0" indent="0">
-              <a:buNone/>
-            </a:pPr>
-            <a:r>
-              <a:t>Standard: ADaM</a:t>
-            </a:r>
-          </a:p>
-          <a:p>
-            <a:pPr marL="0" indent="0">
-              <a:buNone/>
-            </a:pPr>
-            <a:r>
-              <a:t>Study: ADQSADAS</a:t>
-            </a:r>
-          </a:p>
-          <a:p>
-            <a:pPr marL="0" indent="0">
-              <a:buNone/>
-            </a:pPr>
-            <a:r>
-              <a:rPr b="1"/>
-              <a:t>Generated Code:</a:t>
-            </a:r>
-          </a:p>
-          <a:p>
-            <a:pPr marL="0" indent="0">
-              <a:buNone/>
-            </a:pPr>
-            <a:r>
-              <a:t>CHG = AVAL - BASE</a:t>
-            </a:r>
-          </a:p>
-          <a:p>
-            <a:pPr marL="0" indent="0">
-              <a:buNone/>
-            </a:pPr>
-            <a:r>
-              <a:t>PROC GLM; CLASS TRT;</a:t>
-            </a:r>
-          </a:p>
-          <a:p>
-            <a:pPr marL="0" indent="0">
-              <a:buNone/>
-            </a:pPr>
-            <a:r>
-              <a:t>MODEL CHG = BASE TRT;</a:t>
-            </a:r>
+            <a:r>
+              <a:rPr lang="en-GB" b="1" dirty="0"/>
+              <a:t>The recipe didn't change.</a:t>
+            </a:r>
+          </a:p>
+          <a:p>
+            <a:r>
+              <a:rPr lang="en-GB" dirty="0"/>
+              <a:t>Only the pantry labelling changed.</a:t>
+            </a:r>
+          </a:p>
+          <a:p>
+            <a:endParaRPr lang="en-GB" dirty="0"/>
           </a:p>
         </p:txBody>
       </p:sp>
@@ -13302,153 +13710,6 @@
       </p:grpSpPr>
       <p:sp>
         <p:nvSpPr>
-          <p:cNvPr id="2" name="TextBox 1"/>
-          <p:cNvSpPr txBox="1"/>
-          <p:nvPr/>
-        </p:nvSpPr>
-        <p:spPr>
-          <a:xfrm>
-            <a:off x="685800" y="274320"/>
-            <a:ext cx="8229600" cy="731520"/>
-          </a:xfrm>
-          <a:prstGeom prst="rect">
-            <a:avLst/>
-          </a:prstGeom>
-          <a:noFill/>
-        </p:spPr>
-        <p:txBody>
-          <a:bodyPr wrap="none">
-            <a:spAutoFit/>
-          </a:bodyPr>
-          <a:lstStyle/>
-          <a:p>
-            <a:pPr marL="0" indent="0">
-              <a:buNone/>
-              <a:defRPr sz="3600" b="1">
-                <a:solidFill>
-                  <a:srgbClr val="005A8B"/>
-                </a:solidFill>
-              </a:defRPr>
-            </a:pPr>
-            <a:r>
-              <a:t>Restaurant Kitchen (OMOP)</a:t>
-            </a:r>
-          </a:p>
-        </p:txBody>
-      </p:sp>
-      <p:sp>
-        <p:nvSpPr>
-          <p:cNvPr id="3" name="TextBox 2"/>
-          <p:cNvSpPr txBox="1"/>
-          <p:nvPr/>
-        </p:nvSpPr>
-        <p:spPr>
-          <a:xfrm>
-            <a:off x="685800" y="1188720"/>
-            <a:ext cx="8001000" cy="3657600"/>
-          </a:xfrm>
-          <a:prstGeom prst="rect">
-            <a:avLst/>
-          </a:prstGeom>
-          <a:noFill/>
-        </p:spPr>
-        <p:txBody>
-          <a:bodyPr wrap="square">
-            <a:spAutoFit/>
-          </a:bodyPr>
-          <a:lstStyle/>
-          <a:p>
-            <a:pPr marL="0" indent="0">
-              <a:buNone/>
-              <a:defRPr sz="1600">
-                <a:solidFill>
-                  <a:srgbClr val="333333"/>
-                </a:solidFill>
-              </a:defRPr>
-            </a:pPr>
-            <a:r>
-              <a:t>Template: ChangeFromBaseline (same!)</a:t>
-            </a:r>
-          </a:p>
-          <a:p>
-            <a:pPr marL="0" indent="0">
-              <a:buNone/>
-            </a:pPr>
-            <a:r>
-              <a:t>Standard: OMOP CDM</a:t>
-            </a:r>
-          </a:p>
-          <a:p>
-            <a:pPr marL="0" indent="0">
-              <a:buNone/>
-            </a:pPr>
-            <a:r>
-              <a:t>Study: measurement table</a:t>
-            </a:r>
-          </a:p>
-          <a:p>
-            <a:pPr marL="0" indent="0">
-              <a:buNone/>
-            </a:pPr>
-            <a:r>
-              <a:rPr b="1"/>
-              <a:t>Generated Code:</a:t>
-            </a:r>
-          </a:p>
-          <a:p>
-            <a:pPr marL="0" indent="0">
-              <a:buNone/>
-            </a:pPr>
-            <a:r>
-              <a:t>change = value_as_number - baseline_value</a:t>
-            </a:r>
-          </a:p>
-          <a:p>
-            <a:pPr marL="0" indent="0">
-              <a:buNone/>
-            </a:pPr>
-            <a:r>
-              <a:rPr b="1"/>
-              <a:t>The recipe didn't change.</a:t>
-            </a:r>
-          </a:p>
-          <a:p>
-            <a:pPr marL="0" indent="0">
-              <a:buNone/>
-            </a:pPr>
-            <a:r>
-              <a:t>Only the pantry labeling changed.</a:t>
-            </a:r>
-          </a:p>
-        </p:txBody>
-      </p:sp>
-    </p:spTree>
-  </p:cSld>
-  <p:clrMapOvr>
-    <a:masterClrMapping/>
-  </p:clrMapOvr>
-</p:sld>
-</file>
-
-<file path=ppt/slides/slide27.xml><?xml version="1.0" encoding="utf-8"?>
-<p:sld xmlns:a="http://schemas.openxmlformats.org/drawingml/2006/main" xmlns:r="http://schemas.openxmlformats.org/officeDocument/2006/relationships" xmlns:p="http://schemas.openxmlformats.org/presentationml/2006/main">
-  <p:cSld>
-    <p:spTree>
-      <p:nvGrpSpPr>
-        <p:cNvPr id="1" name=""/>
-        <p:cNvGrpSpPr/>
-        <p:nvPr/>
-      </p:nvGrpSpPr>
-      <p:grpSpPr>
-        <a:xfrm>
-          <a:off x="0" y="0"/>
-          <a:ext cx="0" cy="0"/>
-          <a:chOff x="0" y="0"/>
-          <a:chExt cx="0" cy="0"/>
-        </a:xfrm>
-      </p:grpSpPr>
-      <p:sp>
-        <p:nvSpPr>
           <p:cNvPr id="2" name="Title 1">
             <a:extLst>
               <a:ext uri="{FF2B5EF4-FFF2-40B4-BE49-F238E27FC236}">
@@ -13472,7 +13733,8 @@
               <a:buNone/>
             </a:pPr>
             <a:r>
-              <a:t>SDMX Data Cubes</a:t>
+              <a:rPr dirty="0"/>
+              <a:t>Data Cubes</a:t>
             </a:r>
           </a:p>
         </p:txBody>
@@ -13502,6 +13764,7 @@
               <a:buNone/>
             </a:pPr>
             <a:r>
+              <a:rPr dirty="0"/>
               <a:t>The Technical Foundation for Machine-Executable Specifications</a:t>
             </a:r>
             <a:endParaRPr lang="en-US" dirty="0"/>
@@ -13516,7 +13779,7 @@
 </p:sld>
 </file>
 
-<file path=ppt/slides/slide28.xml><?xml version="1.0" encoding="utf-8"?>
+<file path=ppt/slides/slide27.xml><?xml version="1.0" encoding="utf-8"?>
 <p:sld xmlns:a="http://schemas.openxmlformats.org/drawingml/2006/main" xmlns:r="http://schemas.openxmlformats.org/officeDocument/2006/relationships" xmlns:p="http://schemas.openxmlformats.org/presentationml/2006/main">
   <p:cSld>
     <p:spTree>
@@ -13573,8 +13836,8 @@
           </a:p>
         </p:txBody>
       </p:sp>
-      <mc:AlternateContent xmlns:mc="http://schemas.openxmlformats.org/markup-compatibility/2006" xmlns:a14="http://schemas.microsoft.com/office/drawing/2010/main">
-        <mc:Choice Requires="a14">
+      <mc:AlternateContent xmlns:mc="http://schemas.openxmlformats.org/markup-compatibility/2006">
+        <mc:Choice xmlns:a14="http://schemas.microsoft.com/office/drawing/2010/main" Requires="a14">
           <p:sp>
             <p:nvSpPr>
               <p:cNvPr id="3" name="Content Placeholder 2">
@@ -13726,7 +13989,7 @@
                 </a:pPr>
                 <a:r>
                   <a:rPr lang="en-US" b="1" dirty="0"/>
-                  <a:t>Key: Both INPUT and OUTPUT are defined as SDMX Data Cubes </a:t>
+                  <a:t>Key: Both INPUT and OUTPUT are defined as W3C Data Cubes </a:t>
                 </a:r>
               </a:p>
               <a:p>
@@ -13741,7 +14004,7 @@
             </p:txBody>
           </p:sp>
         </mc:Choice>
-        <mc:Fallback xmlns="">
+        <mc:Fallback>
           <p:sp>
             <p:nvSpPr>
               <p:cNvPr id="3" name="Content Placeholder 2">
@@ -13766,7 +14029,7 @@
               <a:blipFill>
                 <a:blip r:embed="rId2"/>
                 <a:stretch>
-                  <a:fillRect l="-2432" t="-3237"/>
+                  <a:fillRect l="-2432" t="-3237" r="-1081"/>
                 </a:stretch>
               </a:blipFill>
             </p:spPr>
@@ -13809,7 +14072,7 @@
             <a:fld id="{EB4FF9C4-EEBF-D24D-8A4E-C0B9CCE3F975}" type="slidenum">
               <a:rPr lang="en-US" smtClean="0"/>
               <a:pPr/>
-              <a:t>28</a:t>
+              <a:t>27</a:t>
             </a:fld>
             <a:endParaRPr lang="en-US"/>
           </a:p>
@@ -13897,6 +14160,333 @@
         <p14:creationId xmlns:p14="http://schemas.microsoft.com/office/powerpoint/2010/main" val="2314067249"/>
       </p:ext>
     </p:extLst>
+  </p:cSld>
+  <p:clrMapOvr>
+    <a:masterClrMapping/>
+  </p:clrMapOvr>
+</p:sld>
+</file>
+
+<file path=ppt/slides/slide28.xml><?xml version="1.0" encoding="utf-8"?>
+<p:sld xmlns:a="http://schemas.openxmlformats.org/drawingml/2006/main" xmlns:r="http://schemas.openxmlformats.org/officeDocument/2006/relationships" xmlns:p="http://schemas.openxmlformats.org/presentationml/2006/main">
+  <p:cSld>
+    <p:spTree>
+      <p:nvGrpSpPr>
+        <p:cNvPr id="1" name=""/>
+        <p:cNvGrpSpPr/>
+        <p:nvPr/>
+      </p:nvGrpSpPr>
+      <p:grpSpPr>
+        <a:xfrm>
+          <a:off x="0" y="0"/>
+          <a:ext cx="0" cy="0"/>
+          <a:chOff x="0" y="0"/>
+          <a:chExt cx="0" cy="0"/>
+        </a:xfrm>
+      </p:grpSpPr>
+      <p:sp>
+        <p:nvSpPr>
+          <p:cNvPr id="2" name="Title 1"/>
+          <p:cNvSpPr>
+            <a:spLocks noGrp="1"/>
+          </p:cNvSpPr>
+          <p:nvPr>
+            <p:ph type="title"/>
+          </p:nvPr>
+        </p:nvSpPr>
+        <p:spPr/>
+        <p:txBody>
+          <a:bodyPr>
+            <a:normAutofit/>
+          </a:bodyPr>
+          <a:lstStyle/>
+          <a:p>
+            <a:pPr marL="0" indent="0">
+              <a:buNone/>
+            </a:pPr>
+            <a:r>
+              <a:t>The SDMX Data Cube: Three Component Types</a:t>
+            </a:r>
+            <a:endParaRPr lang="en-US" dirty="0"/>
+          </a:p>
+        </p:txBody>
+      </p:sp>
+      <p:sp>
+        <p:nvSpPr>
+          <p:cNvPr id="3" name="Content Placeholder 2"/>
+          <p:cNvSpPr>
+            <a:spLocks noGrp="1"/>
+          </p:cNvSpPr>
+          <p:nvPr>
+            <p:ph idx="1"/>
+          </p:nvPr>
+        </p:nvSpPr>
+        <p:spPr>
+          <a:xfrm>
+            <a:off x="800100" y="1111250"/>
+            <a:ext cx="7886700" cy="3521473"/>
+          </a:xfrm>
+        </p:spPr>
+        <p:txBody>
+          <a:bodyPr>
+            <a:normAutofit fontScale="84500" lnSpcReduction="10000"/>
+          </a:bodyPr>
+          <a:lstStyle/>
+          <a:p>
+            <a:pPr marL="0" indent="0">
+              <a:buNone/>
+            </a:pPr>
+            <a:r>
+              <a:rPr dirty="0"/>
+              <a:t>Each component has a defined role that determines how it participates in operations:</a:t>
+            </a:r>
+          </a:p>
+          <a:p>
+            <a:pPr marL="0" indent="0">
+              <a:buNone/>
+            </a:pPr>
+            <a:r>
+              <a:rPr b="1" dirty="0"/>
+              <a:t>DIMENSION</a:t>
+            </a:r>
+          </a:p>
+          <a:p>
+            <a:pPr marL="0" indent="0">
+              <a:buNone/>
+            </a:pPr>
+            <a:r>
+              <a:rPr dirty="0"/>
+              <a:t>Identifies the observation — the "coordinates" in the cube</a:t>
+            </a:r>
+          </a:p>
+          <a:p>
+            <a:pPr marL="0" indent="0">
+              <a:buNone/>
+            </a:pPr>
+            <a:r>
+              <a:rPr i="1" dirty="0"/>
+              <a:t>Examples: subject, visit, parameter, treatment</a:t>
+            </a:r>
+          </a:p>
+          <a:p>
+            <a:pPr marL="0" indent="0">
+              <a:buNone/>
+            </a:pPr>
+            <a:r>
+              <a:rPr b="1" dirty="0"/>
+              <a:t>MEASURE</a:t>
+            </a:r>
+          </a:p>
+          <a:p>
+            <a:pPr marL="0" indent="0">
+              <a:buNone/>
+            </a:pPr>
+            <a:r>
+              <a:rPr dirty="0"/>
+              <a:t>The observed/computed value at that point — numeric quantities</a:t>
+            </a:r>
+          </a:p>
+          <a:p>
+            <a:pPr marL="0" indent="0">
+              <a:buNone/>
+            </a:pPr>
+            <a:r>
+              <a:rPr i="1" dirty="0"/>
+              <a:t>Examples: </a:t>
+            </a:r>
+            <a:r>
+              <a:rPr i="1" dirty="0" err="1"/>
+              <a:t>analysis_value</a:t>
+            </a:r>
+            <a:r>
+              <a:rPr i="1" dirty="0"/>
+              <a:t>, </a:t>
+            </a:r>
+            <a:r>
+              <a:rPr i="1" dirty="0" err="1"/>
+              <a:t>baseline_value</a:t>
+            </a:r>
+            <a:r>
+              <a:rPr i="1" dirty="0"/>
+              <a:t>, </a:t>
+            </a:r>
+            <a:r>
+              <a:rPr i="1" dirty="0" err="1"/>
+              <a:t>change_value</a:t>
+            </a:r>
+            <a:r>
+              <a:rPr i="1" dirty="0"/>
+              <a:t>, </a:t>
+            </a:r>
+            <a:r>
+              <a:rPr i="1" dirty="0" err="1"/>
+              <a:t>lsmean</a:t>
+            </a:r>
+            <a:r>
+              <a:rPr i="1" dirty="0"/>
+              <a:t>, </a:t>
+            </a:r>
+            <a:r>
+              <a:rPr i="1" dirty="0" err="1"/>
+              <a:t>p_value</a:t>
+            </a:r>
+            <a:endParaRPr i="1" dirty="0"/>
+          </a:p>
+          <a:p>
+            <a:pPr marL="0" indent="0">
+              <a:buNone/>
+            </a:pPr>
+            <a:r>
+              <a:rPr b="1" dirty="0"/>
+              <a:t>ATTRIBUTE</a:t>
+            </a:r>
+          </a:p>
+          <a:p>
+            <a:pPr marL="0" indent="0">
+              <a:buNone/>
+            </a:pPr>
+            <a:r>
+              <a:rPr dirty="0"/>
+              <a:t>Metadata that qualifies but does not identify — context and flags</a:t>
+            </a:r>
+          </a:p>
+          <a:p>
+            <a:pPr marL="0" indent="0">
+              <a:buNone/>
+            </a:pPr>
+            <a:r>
+              <a:rPr i="1" dirty="0"/>
+              <a:t>Examples: </a:t>
+            </a:r>
+            <a:r>
+              <a:rPr i="1" dirty="0" err="1"/>
+              <a:t>population_flag</a:t>
+            </a:r>
+            <a:r>
+              <a:rPr i="1" dirty="0"/>
+              <a:t>, </a:t>
+            </a:r>
+            <a:r>
+              <a:rPr i="1" dirty="0" err="1"/>
+              <a:t>baseline_flag</a:t>
+            </a:r>
+            <a:r>
+              <a:rPr i="1" dirty="0"/>
+              <a:t>, unit, </a:t>
+            </a:r>
+            <a:r>
+              <a:rPr i="1" dirty="0" err="1"/>
+              <a:t>reason_for_exclusion</a:t>
+            </a:r>
+            <a:endParaRPr i="1" dirty="0"/>
+          </a:p>
+          <a:p>
+            <a:pPr marL="0" indent="0">
+              <a:buNone/>
+            </a:pPr>
+            <a:r>
+              <a:rPr b="1" dirty="0"/>
+              <a:t>Why </a:t>
+            </a:r>
+            <a:r>
+              <a:rPr lang="da-DK" b="1" dirty="0" err="1"/>
+              <a:t>CUBEs</a:t>
+            </a:r>
+            <a:r>
+              <a:rPr b="1" dirty="0"/>
+              <a:t>? </a:t>
+            </a:r>
+            <a:r>
+              <a:rPr lang="da-DK" b="1" dirty="0"/>
+              <a:t>W3C</a:t>
+            </a:r>
+            <a:r>
+              <a:rPr b="1" dirty="0"/>
+              <a:t> standard for statistical data exchange.</a:t>
+            </a:r>
+          </a:p>
+          <a:p>
+            <a:pPr marL="0" indent="0">
+              <a:buNone/>
+            </a:pPr>
+            <a:r>
+              <a:rPr dirty="0"/>
+              <a:t>The roles are not arbitrary — they have standardized meaning across tools and platforms.</a:t>
+            </a:r>
+          </a:p>
+        </p:txBody>
+      </p:sp>
+      <p:sp>
+        <p:nvSpPr>
+          <p:cNvPr id="6" name="Slide Number Placeholder 5"/>
+          <p:cNvSpPr>
+            <a:spLocks noGrp="1"/>
+          </p:cNvSpPr>
+          <p:nvPr>
+            <p:ph type="sldNum" sz="quarter" idx="12"/>
+          </p:nvPr>
+        </p:nvSpPr>
+        <p:spPr/>
+        <p:txBody>
+          <a:bodyPr/>
+          <a:lstStyle/>
+          <a:p>
+            <a:fld id="{EB4FF9C4-EEBF-D24D-8A4E-C0B9CCE3F975}" type="slidenum">
+              <a:rPr lang="en-US" smtClean="0"/>
+              <a:pPr/>
+              <a:t>28</a:t>
+            </a:fld>
+            <a:endParaRPr lang="en-US"/>
+          </a:p>
+        </p:txBody>
+      </p:sp>
+      <p:sp>
+        <p:nvSpPr>
+          <p:cNvPr id="5" name="Footer Placeholder 4"/>
+          <p:cNvSpPr>
+            <a:spLocks noGrp="1"/>
+          </p:cNvSpPr>
+          <p:nvPr>
+            <p:ph type="ftr" sz="quarter" idx="3"/>
+          </p:nvPr>
+        </p:nvSpPr>
+        <p:spPr>
+          <a:xfrm>
+            <a:off x="2500132" y="4767263"/>
+            <a:ext cx="4676172" cy="273844"/>
+          </a:xfrm>
+          <a:prstGeom prst="rect">
+            <a:avLst/>
+          </a:prstGeom>
+        </p:spPr>
+        <p:txBody>
+          <a:bodyPr vert="horz" lIns="0" tIns="0" rIns="0" bIns="0" rtlCol="0" anchor="ctr"/>
+          <a:lstStyle>
+            <a:lvl1pPr algn="ctr">
+              <a:defRPr sz="800" b="1">
+                <a:solidFill>
+                  <a:schemeClr val="tx1"/>
+                </a:solidFill>
+              </a:defRPr>
+            </a:lvl1pPr>
+          </a:lstStyle>
+          <a:p>
+            <a:pPr marL="0" indent="0">
+              <a:buNone/>
+            </a:pPr>
+            <a:r>
+              <a:rPr dirty="0"/>
+              <a:t>#</a:t>
+            </a:r>
+            <a:r>
+              <a:rPr dirty="0" err="1"/>
+              <a:t>ClearDataClearImpact</a:t>
+            </a:r>
+            <a:endParaRPr dirty="0"/>
+          </a:p>
+        </p:txBody>
+      </p:sp>
+    </p:spTree>
   </p:cSld>
   <p:clrMapOvr>
     <a:masterClrMapping/>
@@ -13942,7 +14532,7 @@
               <a:buNone/>
             </a:pPr>
             <a:r>
-              <a:t>The SDMX Data Cube: Three Component Types</a:t>
+              <a:t>Slices: Subsetting the Cube</a:t>
             </a:r>
             <a:endParaRPr lang="en-US" dirty="0"/>
           </a:p>
@@ -13966,7 +14556,7 @@
         </p:spPr>
         <p:txBody>
           <a:bodyPr>
-            <a:normAutofit fontScale="84500" lnSpcReduction="10000"/>
+            <a:normAutofit fontScale="99500"/>
           </a:bodyPr>
           <a:lstStyle/>
           <a:p>
@@ -13974,8 +14564,7 @@
               <a:buNone/>
             </a:pPr>
             <a:r>
-              <a:rPr dirty="0"/>
-              <a:t>Each component has a defined role that determines how it participates in operations:</a:t>
+              <a:t>A Slice fixes certain dimensions or attributes to create a subset of the cube.</a:t>
             </a:r>
           </a:p>
           <a:p>
@@ -13983,8 +14572,8 @@
               <a:buNone/>
             </a:pPr>
             <a:r>
-              <a:rPr b="1" dirty="0"/>
-              <a:t>DIMENSION</a:t>
+              <a:rPr b="1"/>
+              <a:t>Full Cube (all data):</a:t>
             </a:r>
           </a:p>
           <a:p>
@@ -13992,8 +14581,7 @@
               <a:buNone/>
             </a:pPr>
             <a:r>
-              <a:rPr dirty="0"/>
-              <a:t>Identifies the observation — the "coordinates" in the cube</a:t>
+              <a:t>Dimensions: subject, visit, parameter, treatment</a:t>
             </a:r>
           </a:p>
           <a:p>
@@ -14001,8 +14589,7 @@
               <a:buNone/>
             </a:pPr>
             <a:r>
-              <a:rPr i="1" dirty="0"/>
-              <a:t>Examples: subject, visit, parameter, treatment</a:t>
+              <a:t>Measures: analysis_value, baseline_value, change_value</a:t>
             </a:r>
           </a:p>
           <a:p>
@@ -14010,8 +14597,7 @@
               <a:buNone/>
             </a:pPr>
             <a:r>
-              <a:rPr b="1" dirty="0"/>
-              <a:t>MEASURE</a:t>
+              <a:t>Attributes: population_flag, baseline_flag</a:t>
             </a:r>
           </a:p>
           <a:p>
@@ -14019,8 +14605,8 @@
               <a:buNone/>
             </a:pPr>
             <a:r>
-              <a:rPr dirty="0"/>
-              <a:t>The observed/computed value at that point — numeric quantities</a:t>
+              <a:rPr b="1"/>
+              <a:t>Slice (analysis context):</a:t>
             </a:r>
           </a:p>
           <a:p>
@@ -14028,54 +14614,15 @@
               <a:buNone/>
             </a:pPr>
             <a:r>
-              <a:rPr i="1" dirty="0"/>
-              <a:t>Examples: </a:t>
-            </a:r>
-            <a:r>
-              <a:rPr i="1" dirty="0" err="1"/>
-              <a:t>analysis_value</a:t>
-            </a:r>
-            <a:r>
-              <a:rPr i="1" dirty="0"/>
-              <a:t>, </a:t>
-            </a:r>
-            <a:r>
-              <a:rPr i="1" dirty="0" err="1"/>
-              <a:t>baseline_value</a:t>
-            </a:r>
-            <a:r>
-              <a:rPr i="1" dirty="0"/>
-              <a:t>, </a:t>
-            </a:r>
-            <a:r>
-              <a:rPr i="1" dirty="0" err="1"/>
-              <a:t>change_value</a:t>
-            </a:r>
-            <a:r>
-              <a:rPr i="1" dirty="0"/>
-              <a:t>, </a:t>
-            </a:r>
-            <a:r>
-              <a:rPr i="1" dirty="0" err="1"/>
-              <a:t>lsmean</a:t>
-            </a:r>
-            <a:r>
-              <a:rPr i="1" dirty="0"/>
-              <a:t>, </a:t>
-            </a:r>
-            <a:r>
-              <a:rPr i="1" dirty="0" err="1"/>
-              <a:t>p_value</a:t>
-            </a:r>
-            <a:endParaRPr i="1" dirty="0"/>
+              <a:t>parameter = "ADAS-Cog(11)"</a:t>
+            </a:r>
           </a:p>
           <a:p>
             <a:pPr marL="0" indent="0">
               <a:buNone/>
             </a:pPr>
             <a:r>
-              <a:rPr b="1" dirty="0"/>
-              <a:t>ATTRIBUTE</a:t>
+              <a:t>visit = "Week 24"</a:t>
             </a:r>
           </a:p>
           <a:p>
@@ -14083,56 +14630,7 @@
               <a:buNone/>
             </a:pPr>
             <a:r>
-              <a:rPr dirty="0"/>
-              <a:t>Metadata that qualifies but does not identify — context and flags</a:t>
-            </a:r>
-          </a:p>
-          <a:p>
-            <a:pPr marL="0" indent="0">
-              <a:buNone/>
-            </a:pPr>
-            <a:r>
-              <a:rPr i="1" dirty="0"/>
-              <a:t>Examples: </a:t>
-            </a:r>
-            <a:r>
-              <a:rPr i="1" dirty="0" err="1"/>
-              <a:t>population_flag</a:t>
-            </a:r>
-            <a:r>
-              <a:rPr i="1" dirty="0"/>
-              <a:t>, </a:t>
-            </a:r>
-            <a:r>
-              <a:rPr i="1" dirty="0" err="1"/>
-              <a:t>baseline_flag</a:t>
-            </a:r>
-            <a:r>
-              <a:rPr i="1" dirty="0"/>
-              <a:t>, unit, </a:t>
-            </a:r>
-            <a:r>
-              <a:rPr i="1" dirty="0" err="1"/>
-              <a:t>reason_for_exclusion</a:t>
-            </a:r>
-            <a:endParaRPr i="1" dirty="0"/>
-          </a:p>
-          <a:p>
-            <a:pPr marL="0" indent="0">
-              <a:buNone/>
-            </a:pPr>
-            <a:r>
-              <a:rPr b="1" dirty="0"/>
-              <a:t>Why SDMX? ISO standard (17369) for statistical data exchange.</a:t>
-            </a:r>
-          </a:p>
-          <a:p>
-            <a:pPr marL="0" indent="0">
-              <a:buNone/>
-            </a:pPr>
-            <a:r>
-              <a:rPr dirty="0"/>
-              <a:t>The roles are not arbitrary — they have standardized meaning across tools and platforms.</a:t>
+              <a:t>population_flag = "Y" (efficacy population)</a:t>
             </a:r>
           </a:p>
         </p:txBody>
@@ -14338,7 +14836,8 @@
               <a:buNone/>
             </a:pPr>
             <a:r>
-              <a:t>Slices: Subsetting the Cube</a:t>
+              <a:rPr dirty="0"/>
+              <a:t>Machine-Executable: Roles Define Operations</a:t>
             </a:r>
             <a:endParaRPr lang="en-US" dirty="0"/>
           </a:p>
@@ -14362,7 +14861,7 @@
         </p:spPr>
         <p:txBody>
           <a:bodyPr>
-            <a:normAutofit fontScale="99500"/>
+            <a:normAutofit fontScale="52500" lnSpcReduction="20000"/>
           </a:bodyPr>
           <a:lstStyle/>
           <a:p>
@@ -14370,7 +14869,8 @@
               <a:buNone/>
             </a:pPr>
             <a:r>
-              <a:t>A Slice fixes certain dimensions or attributes to create a subset of the cube.</a:t>
+              <a:rPr lang="en-GB" noProof="1"/>
+              <a:t>Each CUBE role has inherent computational semantics — no pseudo-code needed:</a:t>
             </a:r>
           </a:p>
           <a:p>
@@ -14378,16 +14878,54 @@
               <a:buNone/>
             </a:pPr>
             <a:r>
-              <a:rPr b="1"/>
-              <a:t>Full Cube (all data):</a:t>
-            </a:r>
+              <a:rPr lang="en-GB" b="1" noProof="1"/>
+              <a:t>CUBE Role → Code Generation Operation</a:t>
+            </a:r>
+          </a:p>
+          <a:p>
+            <a:r>
+              <a:rPr lang="en-GB" noProof="1"/>
+              <a:t>DIMENSION → GROUP BY / BY statement / stratification axis</a:t>
+            </a:r>
+          </a:p>
+          <a:p>
+            <a:r>
+              <a:rPr lang="en-GB" noProof="1"/>
+              <a:t>MEASURE (input) → Function arguments / MODEL variables</a:t>
+            </a:r>
+          </a:p>
+          <a:p>
+            <a:r>
+              <a:rPr lang="en-GB" noProof="1"/>
+              <a:t>MEASURE (output) → Return values / result columns</a:t>
+            </a:r>
+          </a:p>
+          <a:p>
+            <a:r>
+              <a:rPr lang="en-GB" noProof="1"/>
+              <a:t>ATTRIBUTE (slice) → WHERE clause / filter condition</a:t>
+            </a:r>
+          </a:p>
+          <a:p>
+            <a:endParaRPr lang="en-GB" noProof="1"/>
           </a:p>
           <a:p>
             <a:pPr marL="0" indent="0">
               <a:buNone/>
             </a:pPr>
             <a:r>
-              <a:t>Dimensions: subject, visit, parameter, treatment</a:t>
+              <a:rPr lang="en-GB" b="1" noProof="1"/>
+              <a:t>Declarative, Not Procedural</a:t>
+            </a:r>
+          </a:p>
+          <a:p>
+            <a:pPr>
+              <a:buFont typeface="Wingdings" pitchFamily="2" charset="2"/>
+              <a:buChar char="ü"/>
+            </a:pPr>
+            <a:r>
+              <a:rPr lang="en-GB" noProof="1"/>
+              <a:t>You specify the structure of input/output, not the steps</a:t>
             </a:r>
           </a:p>
           <a:p>
@@ -14395,7 +14933,18 @@
               <a:buNone/>
             </a:pPr>
             <a:r>
-              <a:t>Measures: analysis_value, baseline_value, change_value</a:t>
+              <a:rPr lang="en-GB" b="1" noProof="1"/>
+              <a:t>Platform Independent</a:t>
+            </a:r>
+          </a:p>
+          <a:p>
+            <a:pPr>
+              <a:buFont typeface="Wingdings" pitchFamily="2" charset="2"/>
+              <a:buChar char="ü"/>
+            </a:pPr>
+            <a:r>
+              <a:rPr lang="en-GB" noProof="1"/>
+              <a:t>Same cube definition can generate SAS, R, or Python if engine is developed</a:t>
             </a:r>
           </a:p>
           <a:p>
@@ -14403,7 +14952,18 @@
               <a:buNone/>
             </a:pPr>
             <a:r>
-              <a:t>Attributes: population_flag, baseline_flag</a:t>
+              <a:rPr lang="en-GB" b="1" noProof="1"/>
+              <a:t>Unambiguous Semantics</a:t>
+            </a:r>
+          </a:p>
+          <a:p>
+            <a:pPr>
+              <a:buFont typeface="Wingdings" pitchFamily="2" charset="2"/>
+              <a:buChar char="ü"/>
+            </a:pPr>
+            <a:r>
+              <a:rPr lang="en-GB" noProof="1"/>
+              <a:t>A generator knows exactly what to do with DIMENSION vs MEASURE</a:t>
             </a:r>
           </a:p>
           <a:p>
@@ -14411,24 +14971,33 @@
               <a:buNone/>
             </a:pPr>
             <a:r>
-              <a:rPr b="1"/>
-              <a:t>Slice (analysis context):</a:t>
+              <a:rPr lang="en-GB" b="1" noProof="1"/>
+              <a:t>Standardized</a:t>
+            </a:r>
+          </a:p>
+          <a:p>
+            <a:pPr>
+              <a:buFont typeface="Wingdings" pitchFamily="2" charset="2"/>
+              <a:buChar char="ü"/>
+            </a:pPr>
+            <a:r>
+              <a:rPr lang="en-GB" noProof="1"/>
+              <a:t>W3C standard is used by statistical agencies worldwide</a:t>
             </a:r>
           </a:p>
           <a:p>
             <a:pPr marL="0" indent="0">
               <a:buNone/>
             </a:pPr>
-            <a:r>
-              <a:t>parameter = "ADAS-Cog(11)"</a:t>
-            </a:r>
+            <a:endParaRPr lang="en-GB" b="1" noProof="1"/>
           </a:p>
           <a:p>
             <a:pPr marL="0" indent="0">
               <a:buNone/>
             </a:pPr>
             <a:r>
-              <a:t>visit = "Week 24"</a:t>
+              <a:rPr lang="en-GB" b="1" noProof="1"/>
+              <a:t>The cube structure IS the specification. </a:t>
             </a:r>
           </a:p>
           <a:p>
@@ -14436,7 +15005,8 @@
               <a:buNone/>
             </a:pPr>
             <a:r>
-              <a:t>population_flag = "Y" (efficacy population)</a:t>
+              <a:rPr lang="en-GB" b="1" noProof="1"/>
+              <a:t>Roles carry meaning; a generator traverses the structure and emits code.</a:t>
             </a:r>
           </a:p>
         </p:txBody>
@@ -14500,8 +15070,14 @@
               <a:buNone/>
             </a:pPr>
             <a:r>
-              <a:t>#ClearDataClearImpact</a:t>
-            </a:r>
+              <a:rPr dirty="0"/>
+              <a:t>#</a:t>
+            </a:r>
+            <a:r>
+              <a:rPr dirty="0" err="1"/>
+              <a:t>ClearDataClearImpact</a:t>
+            </a:r>
+            <a:endParaRPr dirty="0"/>
           </a:p>
         </p:txBody>
       </p:sp>
@@ -14532,7 +15108,13 @@
       </p:grpSpPr>
       <p:sp>
         <p:nvSpPr>
-          <p:cNvPr id="2" name="Title 1"/>
+          <p:cNvPr id="2" name="Title 1">
+            <a:extLst>
+              <a:ext uri="{FF2B5EF4-FFF2-40B4-BE49-F238E27FC236}">
+                <a16:creationId xmlns:a16="http://schemas.microsoft.com/office/drawing/2014/main" id="{1DCE5ED0-C8F6-60A0-C10E-4007CFBD8435}"/>
+              </a:ext>
+            </a:extLst>
+          </p:cNvPr>
           <p:cNvSpPr>
             <a:spLocks noGrp="1"/>
           </p:cNvSpPr>
@@ -14542,24 +15124,25 @@
         </p:nvSpPr>
         <p:spPr/>
         <p:txBody>
-          <a:bodyPr>
-            <a:normAutofit/>
-          </a:bodyPr>
-          <a:lstStyle/>
-          <a:p>
-            <a:pPr marL="0" indent="0">
-              <a:buNone/>
-            </a:pPr>
-            <a:r>
-              <a:t>Machine-Executable: Roles Define Operations</a:t>
-            </a:r>
-            <a:endParaRPr lang="en-US" dirty="0"/>
-          </a:p>
-        </p:txBody>
-      </p:sp>
-      <p:sp>
-        <p:nvSpPr>
-          <p:cNvPr id="3" name="Content Placeholder 2"/>
+          <a:bodyPr/>
+          <a:lstStyle/>
+          <a:p>
+            <a:r>
+              <a:rPr lang="en-GB" dirty="0"/>
+              <a:t>Summary</a:t>
+            </a:r>
+          </a:p>
+        </p:txBody>
+      </p:sp>
+      <p:sp>
+        <p:nvSpPr>
+          <p:cNvPr id="3" name="Content Placeholder 2">
+            <a:extLst>
+              <a:ext uri="{FF2B5EF4-FFF2-40B4-BE49-F238E27FC236}">
+                <a16:creationId xmlns:a16="http://schemas.microsoft.com/office/drawing/2014/main" id="{ED7BDC67-74A7-AEAE-37F8-94CDC3650824}"/>
+              </a:ext>
+            </a:extLst>
+          </p:cNvPr>
           <p:cNvSpPr>
             <a:spLocks noGrp="1"/>
           </p:cNvSpPr>
@@ -14567,229 +15150,21 @@
             <p:ph idx="1"/>
           </p:nvPr>
         </p:nvSpPr>
-        <p:spPr>
-          <a:xfrm>
-            <a:off x="800100" y="1111250"/>
-            <a:ext cx="7886700" cy="3521473"/>
-          </a:xfrm>
-        </p:spPr>
-        <p:txBody>
-          <a:bodyPr>
-            <a:normAutofit fontScale="52500" lnSpcReduction="20000"/>
-          </a:bodyPr>
-          <a:lstStyle/>
-          <a:p>
-            <a:pPr marL="0" indent="0">
-              <a:buNone/>
-            </a:pPr>
-            <a:r>
-              <a:rPr lang="en-GB" noProof="1"/>
-              <a:t>Each SDMX role has inherent computational semantics — no pseudo-code needed:</a:t>
-            </a:r>
-          </a:p>
-          <a:p>
-            <a:pPr marL="0" indent="0">
-              <a:buNone/>
-            </a:pPr>
-            <a:r>
-              <a:rPr lang="en-GB" b="1" noProof="1"/>
-              <a:t>SDMX Role → Code Generation Operation</a:t>
-            </a:r>
-          </a:p>
-          <a:p>
-            <a:r>
-              <a:rPr lang="en-GB" noProof="1"/>
-              <a:t>DIMENSION → GROUP BY / BY statement / stratification axis</a:t>
-            </a:r>
-          </a:p>
-          <a:p>
-            <a:r>
-              <a:rPr lang="en-GB" noProof="1"/>
-              <a:t>MEASURE (input) → Function arguments / MODEL variables</a:t>
-            </a:r>
-          </a:p>
-          <a:p>
-            <a:r>
-              <a:rPr lang="en-GB" noProof="1"/>
-              <a:t>MEASURE (output) → Return values / result columns</a:t>
-            </a:r>
-          </a:p>
-          <a:p>
-            <a:r>
-              <a:rPr lang="en-GB" noProof="1"/>
-              <a:t>ATTRIBUTE (slice) → WHERE clause / filter condition</a:t>
-            </a:r>
-          </a:p>
-          <a:p>
-            <a:endParaRPr lang="en-GB" noProof="1"/>
-          </a:p>
-          <a:p>
-            <a:pPr marL="0" indent="0">
-              <a:buNone/>
-            </a:pPr>
-            <a:r>
-              <a:rPr lang="en-GB" b="1" noProof="1"/>
-              <a:t>Declarative, Not Procedural</a:t>
-            </a:r>
-          </a:p>
-          <a:p>
-            <a:pPr>
-              <a:buFont typeface="Wingdings" pitchFamily="2" charset="2"/>
-              <a:buChar char="ü"/>
-            </a:pPr>
-            <a:r>
-              <a:rPr lang="en-GB" noProof="1"/>
-              <a:t>You specify the structure of input/output, not the steps</a:t>
-            </a:r>
-          </a:p>
-          <a:p>
-            <a:pPr marL="0" indent="0">
-              <a:buNone/>
-            </a:pPr>
-            <a:r>
-              <a:rPr lang="en-GB" b="1" noProof="1"/>
-              <a:t>Platform Independent</a:t>
-            </a:r>
-          </a:p>
-          <a:p>
-            <a:pPr>
-              <a:buFont typeface="Wingdings" pitchFamily="2" charset="2"/>
-              <a:buChar char="ü"/>
-            </a:pPr>
-            <a:r>
-              <a:rPr lang="en-GB" noProof="1"/>
-              <a:t>Same cube definition can generate SAS, R, or Python if engine is developed</a:t>
-            </a:r>
-          </a:p>
-          <a:p>
-            <a:pPr marL="0" indent="0">
-              <a:buNone/>
-            </a:pPr>
-            <a:r>
-              <a:rPr lang="en-GB" b="1" noProof="1"/>
-              <a:t>Unambiguous Semantics</a:t>
-            </a:r>
-          </a:p>
-          <a:p>
-            <a:pPr>
-              <a:buFont typeface="Wingdings" pitchFamily="2" charset="2"/>
-              <a:buChar char="ü"/>
-            </a:pPr>
-            <a:r>
-              <a:rPr lang="en-GB" noProof="1"/>
-              <a:t>A generator knows exactly what to do with DIMENSION vs MEASURE</a:t>
-            </a:r>
-          </a:p>
-          <a:p>
-            <a:pPr marL="0" indent="0">
-              <a:buNone/>
-            </a:pPr>
-            <a:r>
-              <a:rPr lang="en-GB" b="1" noProof="1"/>
-              <a:t>ISO Standardized</a:t>
-            </a:r>
-          </a:p>
-          <a:p>
-            <a:pPr>
-              <a:buFont typeface="Wingdings" pitchFamily="2" charset="2"/>
-              <a:buChar char="ü"/>
-            </a:pPr>
-            <a:r>
-              <a:rPr lang="en-GB" noProof="1"/>
-              <a:t>SDMX (ISO 17369) is used by statistical agencies worldwide</a:t>
-            </a:r>
-          </a:p>
-          <a:p>
-            <a:pPr marL="0" indent="0">
-              <a:buNone/>
-            </a:pPr>
-            <a:endParaRPr lang="en-GB" b="1" noProof="1"/>
-          </a:p>
-          <a:p>
-            <a:pPr marL="0" indent="0">
-              <a:buNone/>
-            </a:pPr>
-            <a:r>
-              <a:rPr lang="en-GB" b="1" noProof="1"/>
-              <a:t>The cube structure IS the specification. </a:t>
-            </a:r>
-          </a:p>
-          <a:p>
-            <a:pPr marL="0" indent="0">
-              <a:buNone/>
-            </a:pPr>
-            <a:r>
-              <a:rPr lang="en-GB" b="1" noProof="1"/>
-              <a:t>Roles carry meaning; a generator traverses the structure and emits code.</a:t>
-            </a:r>
-          </a:p>
-        </p:txBody>
-      </p:sp>
-      <p:sp>
-        <p:nvSpPr>
-          <p:cNvPr id="6" name="Slide Number Placeholder 5"/>
-          <p:cNvSpPr>
-            <a:spLocks noGrp="1"/>
-          </p:cNvSpPr>
-          <p:nvPr>
-            <p:ph type="sldNum" sz="quarter" idx="12"/>
-          </p:nvPr>
-        </p:nvSpPr>
         <p:spPr/>
         <p:txBody>
           <a:bodyPr/>
           <a:lstStyle/>
           <a:p>
-            <a:fld id="{EB4FF9C4-EEBF-D24D-8A4E-C0B9CCE3F975}" type="slidenum">
-              <a:rPr lang="en-US" smtClean="0"/>
-              <a:pPr/>
-              <a:t>31</a:t>
-            </a:fld>
-            <a:endParaRPr lang="en-US"/>
-          </a:p>
-        </p:txBody>
-      </p:sp>
-      <p:sp>
-        <p:nvSpPr>
-          <p:cNvPr id="5" name="Footer Placeholder 4"/>
-          <p:cNvSpPr>
-            <a:spLocks noGrp="1"/>
-          </p:cNvSpPr>
-          <p:nvPr>
-            <p:ph type="ftr" sz="quarter" idx="3"/>
-          </p:nvPr>
-        </p:nvSpPr>
-        <p:spPr>
-          <a:xfrm>
-            <a:off x="2500132" y="4767263"/>
-            <a:ext cx="4676172" cy="273844"/>
-          </a:xfrm>
-          <a:prstGeom prst="rect">
-            <a:avLst/>
-          </a:prstGeom>
-        </p:spPr>
-        <p:txBody>
-          <a:bodyPr vert="horz" lIns="0" tIns="0" rIns="0" bIns="0" rtlCol="0" anchor="ctr"/>
-          <a:lstStyle>
-            <a:lvl1pPr algn="ctr">
-              <a:defRPr sz="800" b="1">
-                <a:solidFill>
-                  <a:schemeClr val="tx1"/>
-                </a:solidFill>
-              </a:defRPr>
-            </a:lvl1pPr>
-          </a:lstStyle>
-          <a:p>
-            <a:pPr marL="0" indent="0">
-              <a:buNone/>
-            </a:pPr>
-            <a:r>
-              <a:t>#ClearDataClearImpact</a:t>
-            </a:r>
+            <a:endParaRPr lang="en-GB" dirty="0"/>
           </a:p>
         </p:txBody>
       </p:sp>
     </p:spTree>
+    <p:extLst>
+      <p:ext uri="{BB962C8B-B14F-4D97-AF65-F5344CB8AC3E}">
+        <p14:creationId xmlns:p14="http://schemas.microsoft.com/office/powerpoint/2010/main" val="4016385702"/>
+      </p:ext>
+    </p:extLst>
   </p:cSld>
   <p:clrMapOvr>
     <a:masterClrMapping/>
@@ -14816,63 +15191,197 @@
       </p:grpSpPr>
       <p:sp>
         <p:nvSpPr>
-          <p:cNvPr id="2" name="Title 1">
-            <a:extLst>
-              <a:ext uri="{FF2B5EF4-FFF2-40B4-BE49-F238E27FC236}">
-                <a16:creationId xmlns:a16="http://schemas.microsoft.com/office/drawing/2014/main" id="{1DCE5ED0-C8F6-60A0-C10E-4007CFBD8435}"/>
-              </a:ext>
-            </a:extLst>
-          </p:cNvPr>
-          <p:cNvSpPr>
-            <a:spLocks noGrp="1"/>
-          </p:cNvSpPr>
-          <p:nvPr>
-            <p:ph type="title"/>
-          </p:nvPr>
-        </p:nvSpPr>
-        <p:spPr/>
-        <p:txBody>
-          <a:bodyPr/>
-          <a:lstStyle/>
-          <a:p>
-            <a:r>
-              <a:rPr lang="en-GB" dirty="0"/>
-              <a:t>Summary</a:t>
-            </a:r>
-          </a:p>
-        </p:txBody>
-      </p:sp>
-      <p:sp>
-        <p:nvSpPr>
-          <p:cNvPr id="3" name="Content Placeholder 2">
-            <a:extLst>
-              <a:ext uri="{FF2B5EF4-FFF2-40B4-BE49-F238E27FC236}">
-                <a16:creationId xmlns:a16="http://schemas.microsoft.com/office/drawing/2014/main" id="{ED7BDC67-74A7-AEAE-37F8-94CDC3650824}"/>
-              </a:ext>
-            </a:extLst>
-          </p:cNvPr>
-          <p:cNvSpPr>
-            <a:spLocks noGrp="1"/>
-          </p:cNvSpPr>
-          <p:nvPr>
-            <p:ph idx="1"/>
-          </p:nvPr>
-        </p:nvSpPr>
-        <p:spPr/>
-        <p:txBody>
-          <a:bodyPr/>
-          <a:lstStyle/>
-          <a:p>
-            <a:endParaRPr lang="en-GB" dirty="0"/>
+          <p:cNvPr id="2" name="TextBox 1"/>
+          <p:cNvSpPr txBox="1"/>
+          <p:nvPr/>
+        </p:nvSpPr>
+        <p:spPr>
+          <a:xfrm>
+            <a:off x="685800" y="274320"/>
+            <a:ext cx="7015062" cy="646331"/>
+          </a:xfrm>
+          <a:prstGeom prst="rect">
+            <a:avLst/>
+          </a:prstGeom>
+        </p:spPr>
+        <p:txBody>
+          <a:bodyPr vert="horz" lIns="0" tIns="0" rIns="0" bIns="0" rtlCol="0" anchor="ctr">
+            <a:normAutofit/>
+          </a:bodyPr>
+          <a:lstStyle>
+            <a:lvl1pPr indent="0" defTabSz="685800">
+              <a:lnSpc>
+                <a:spcPct val="90000"/>
+              </a:lnSpc>
+              <a:spcBef>
+                <a:spcPct val="0"/>
+              </a:spcBef>
+              <a:buNone/>
+              <a:defRPr sz="2400" b="1">
+                <a:latin typeface="+mj-lt"/>
+                <a:ea typeface="+mj-ea"/>
+                <a:cs typeface="+mj-cs"/>
+              </a:defRPr>
+            </a:lvl1pPr>
+          </a:lstStyle>
+          <a:p>
+            <a:r>
+              <a:rPr dirty="0"/>
+              <a:t>What the Framework Guarantees</a:t>
+            </a:r>
+          </a:p>
+        </p:txBody>
+      </p:sp>
+      <p:sp>
+        <p:nvSpPr>
+          <p:cNvPr id="3" name="TextBox 2"/>
+          <p:cNvSpPr txBox="1"/>
+          <p:nvPr/>
+        </p:nvSpPr>
+        <p:spPr>
+          <a:xfrm>
+            <a:off x="685800" y="1188720"/>
+            <a:ext cx="3840480" cy="1631216"/>
+          </a:xfrm>
+          <a:prstGeom prst="rect">
+            <a:avLst/>
+          </a:prstGeom>
+          <a:noFill/>
+        </p:spPr>
+        <p:txBody>
+          <a:bodyPr wrap="square">
+            <a:spAutoFit/>
+          </a:bodyPr>
+          <a:lstStyle/>
+          <a:p>
+            <a:pPr marL="0" indent="0">
+              <a:buNone/>
+              <a:defRPr sz="1400" b="1">
+                <a:solidFill>
+                  <a:srgbClr val="005A8B"/>
+                </a:solidFill>
+              </a:defRPr>
+            </a:pPr>
+            <a:r>
+              <a:rPr b="1" dirty="0"/>
+              <a:t>STANDARDIZED</a:t>
+            </a:r>
+            <a:endParaRPr lang="da-DK" b="1" dirty="0"/>
+          </a:p>
+          <a:p>
+            <a:pPr marL="0" indent="0">
+              <a:buNone/>
+              <a:defRPr sz="1400" b="1">
+                <a:solidFill>
+                  <a:srgbClr val="005A8B"/>
+                </a:solidFill>
+              </a:defRPr>
+            </a:pPr>
+            <a:endParaRPr b="1" dirty="0"/>
+          </a:p>
+          <a:p>
+            <a:pPr marL="0" indent="0">
+              <a:buNone/>
+            </a:pPr>
+            <a:r>
+              <a:rPr dirty="0"/>
+              <a:t>ANCOVA will be performed</a:t>
+            </a:r>
+          </a:p>
+          <a:p>
+            <a:pPr marL="0" indent="0">
+              <a:buNone/>
+            </a:pPr>
+            <a:r>
+              <a:rPr dirty="0"/>
+              <a:t>Change from baseline calculated</a:t>
+            </a:r>
+          </a:p>
+          <a:p>
+            <a:pPr marL="0" indent="0">
+              <a:buNone/>
+            </a:pPr>
+            <a:r>
+              <a:rPr dirty="0"/>
+              <a:t>Model structure defined</a:t>
+            </a:r>
+          </a:p>
+          <a:p>
+            <a:pPr marL="0" indent="0">
+              <a:buNone/>
+            </a:pPr>
+            <a:r>
+              <a:rPr dirty="0"/>
+              <a:t>Results traceable</a:t>
+            </a:r>
+          </a:p>
+        </p:txBody>
+      </p:sp>
+      <p:sp>
+        <p:nvSpPr>
+          <p:cNvPr id="4" name="TextBox 3"/>
+          <p:cNvSpPr txBox="1"/>
+          <p:nvPr/>
+        </p:nvSpPr>
+        <p:spPr>
+          <a:xfrm>
+            <a:off x="4754880" y="1188720"/>
+            <a:ext cx="3840480" cy="1415772"/>
+          </a:xfrm>
+          <a:prstGeom prst="rect">
+            <a:avLst/>
+          </a:prstGeom>
+          <a:noFill/>
+        </p:spPr>
+        <p:txBody>
+          <a:bodyPr wrap="square">
+            <a:spAutoFit/>
+          </a:bodyPr>
+          <a:lstStyle/>
+          <a:p>
+            <a:pPr marL="0" indent="0">
+              <a:buNone/>
+              <a:defRPr sz="1400" b="1">
+                <a:solidFill>
+                  <a:srgbClr val="005A8B"/>
+                </a:solidFill>
+              </a:defRPr>
+            </a:pPr>
+            <a:r>
+              <a:rPr lang="en-GB" b="1" noProof="1"/>
+              <a:t>NOT STANDARDIZED</a:t>
+            </a:r>
+          </a:p>
+          <a:p>
+            <a:pPr marL="0" indent="0">
+              <a:buNone/>
+            </a:pPr>
+            <a:r>
+              <a:rPr lang="en-GB" noProof="1"/>
+              <a:t>The derivation and analysis for your study</a:t>
+            </a:r>
+          </a:p>
+          <a:p>
+            <a:pPr marL="0" indent="0">
+              <a:buNone/>
+            </a:pPr>
+            <a:r>
+              <a:rPr lang="en-GB" noProof="1"/>
+              <a:t>We standardize the cookbook,</a:t>
+            </a:r>
+          </a:p>
+          <a:p>
+            <a:pPr marL="0" indent="0">
+              <a:buNone/>
+            </a:pPr>
+            <a:r>
+              <a:rPr lang="en-GB" noProof="1"/>
+              <a:t>not the chef's judgment.</a:t>
+            </a:r>
           </a:p>
         </p:txBody>
       </p:sp>
     </p:spTree>
-    <p:extLst>
-      <p:ext uri="{BB962C8B-B14F-4D97-AF65-F5344CB8AC3E}">
-        <p14:creationId xmlns:p14="http://schemas.microsoft.com/office/powerpoint/2010/main" val="4016385702"/>
-      </p:ext>
-    </p:extLst>
   </p:cSld>
   <p:clrMapOvr>
     <a:masterClrMapping/>
@@ -14911,24 +15420,34 @@
           <a:prstGeom prst="rect">
             <a:avLst/>
           </a:prstGeom>
-          <a:noFill/>
-        </p:spPr>
-        <p:txBody>
-          <a:bodyPr wrap="none">
-            <a:spAutoFit/>
+        </p:spPr>
+        <p:txBody>
+          <a:bodyPr vert="horz" lIns="0" tIns="0" rIns="0" bIns="0" rtlCol="0" anchor="ctr">
+            <a:normAutofit/>
           </a:bodyPr>
-          <a:lstStyle/>
-          <a:p>
-            <a:pPr marL="0" indent="0">
-              <a:buNone/>
-              <a:defRPr sz="3600" b="1">
-                <a:solidFill>
-                  <a:srgbClr val="005A8B"/>
-                </a:solidFill>
-              </a:defRPr>
-            </a:pPr>
-            <a:r>
-              <a:t>What the Framework Guarantees</a:t>
+          <a:lstStyle>
+            <a:defPPr>
+              <a:defRPr lang="en-US"/>
+            </a:defPPr>
+            <a:lvl1pPr indent="0" defTabSz="685800">
+              <a:lnSpc>
+                <a:spcPct val="90000"/>
+              </a:lnSpc>
+              <a:spcBef>
+                <a:spcPct val="0"/>
+              </a:spcBef>
+              <a:buNone/>
+              <a:defRPr sz="2400" b="1">
+                <a:latin typeface="+mj-lt"/>
+                <a:ea typeface="+mj-ea"/>
+                <a:cs typeface="+mj-cs"/>
+              </a:defRPr>
+            </a:lvl1pPr>
+          </a:lstStyle>
+          <a:p>
+            <a:r>
+              <a:rPr dirty="0"/>
+              <a:t>The Cookbook Guides Choices</a:t>
             </a:r>
           </a:p>
         </p:txBody>
@@ -14942,7 +15461,7 @@
         <p:spPr>
           <a:xfrm>
             <a:off x="685800" y="1188720"/>
-            <a:ext cx="3840480" cy="3657600"/>
+            <a:ext cx="8001000" cy="2831544"/>
           </a:xfrm>
           <a:prstGeom prst="rect">
             <a:avLst/>
@@ -14957,111 +15476,98 @@
           <a:p>
             <a:pPr marL="0" indent="0">
               <a:buNone/>
-              <a:defRPr sz="1400" b="1">
-                <a:solidFill>
-                  <a:srgbClr val="005A8B"/>
-                </a:solidFill>
-              </a:defRPr>
-            </a:pPr>
-            <a:r>
-              <a:rPr b="1"/>
-              <a:t>STANDARDIZED</a:t>
-            </a:r>
+              <a:defRPr sz="1600">
+                <a:solidFill>
+                  <a:srgbClr val="333333"/>
+                </a:solidFill>
+              </a:defRPr>
+            </a:pPr>
+            <a:r>
+              <a:rPr lang="en-GB" noProof="1"/>
+              <a:t>For example, ANCOVA template prompts you for:</a:t>
+            </a:r>
+          </a:p>
+          <a:p>
+            <a:pPr marL="285750" indent="-285750">
+              <a:buFont typeface="Arial" panose="020B0604020202020204" pitchFamily="34" charset="0"/>
+              <a:buChar char="•"/>
+            </a:pPr>
+            <a:r>
+              <a:rPr lang="en-GB" b="1" noProof="1"/>
+              <a:t>Required:</a:t>
+            </a:r>
+          </a:p>
+          <a:p>
+            <a:pPr marL="742950" lvl="1" indent="-285750">
+              <a:buFont typeface="Arial" panose="020B0604020202020204" pitchFamily="34" charset="0"/>
+              <a:buChar char="•"/>
+            </a:pPr>
+            <a:r>
+              <a:rPr lang="en-GB" noProof="1"/>
+              <a:t>Response, Treatment, Baseline covariate</a:t>
+            </a:r>
+          </a:p>
+          <a:p>
+            <a:pPr marL="285750" indent="-285750">
+              <a:buFont typeface="Arial" panose="020B0604020202020204" pitchFamily="34" charset="0"/>
+              <a:buChar char="•"/>
+            </a:pPr>
+            <a:r>
+              <a:rPr lang="en-GB" b="1" noProof="1"/>
+              <a:t>Optional:</a:t>
+            </a:r>
+          </a:p>
+          <a:p>
+            <a:pPr marL="742950" lvl="1" indent="-285750">
+              <a:buFont typeface="Arial" panose="020B0604020202020204" pitchFamily="34" charset="0"/>
+              <a:buChar char="•"/>
+            </a:pPr>
+            <a:r>
+              <a:rPr lang="en-GB" noProof="1"/>
+              <a:t>Additional covariates?</a:t>
+            </a:r>
+          </a:p>
+          <a:p>
+            <a:pPr marL="742950" lvl="1" indent="-285750">
+              <a:buFont typeface="Arial" panose="020B0604020202020204" pitchFamily="34" charset="0"/>
+              <a:buChar char="•"/>
+            </a:pPr>
+            <a:r>
+              <a:rPr lang="en-GB" noProof="1"/>
+              <a:t>Include interactions?</a:t>
+            </a:r>
+          </a:p>
+          <a:p>
+            <a:pPr marL="285750" indent="-285750">
+              <a:buFont typeface="Arial" panose="020B0604020202020204" pitchFamily="34" charset="0"/>
+              <a:buChar char="•"/>
+            </a:pPr>
+            <a:r>
+              <a:rPr lang="en-GB" b="1" noProof="1"/>
+              <a:t>Parameters:</a:t>
+            </a:r>
+          </a:p>
+          <a:p>
+            <a:pPr marL="742950" lvl="1" indent="-285750">
+              <a:buFont typeface="Arial" panose="020B0604020202020204" pitchFamily="34" charset="0"/>
+              <a:buChar char="•"/>
+            </a:pPr>
+            <a:r>
+              <a:rPr lang="en-GB" noProof="1"/>
+              <a:t>SS type, Alpha, CI level</a:t>
+            </a:r>
+          </a:p>
+          <a:p>
+            <a:pPr lvl="1"/>
+            <a:endParaRPr lang="en-GB" noProof="1"/>
           </a:p>
           <a:p>
             <a:pPr marL="0" indent="0">
               <a:buNone/>
             </a:pPr>
             <a:r>
-              <a:t>ANCOVA will be performed</a:t>
-            </a:r>
-          </a:p>
-          <a:p>
-            <a:pPr marL="0" indent="0">
-              <a:buNone/>
-            </a:pPr>
-            <a:r>
-              <a:t>Change from baseline calculated</a:t>
-            </a:r>
-          </a:p>
-          <a:p>
-            <a:pPr marL="0" indent="0">
-              <a:buNone/>
-            </a:pPr>
-            <a:r>
-              <a:t>Model structure defined</a:t>
-            </a:r>
-          </a:p>
-          <a:p>
-            <a:pPr marL="0" indent="0">
-              <a:buNone/>
-            </a:pPr>
-            <a:r>
-              <a:t>Results traceable</a:t>
-            </a:r>
-          </a:p>
-        </p:txBody>
-      </p:sp>
-      <p:sp>
-        <p:nvSpPr>
-          <p:cNvPr id="4" name="TextBox 3"/>
-          <p:cNvSpPr txBox="1"/>
-          <p:nvPr/>
-        </p:nvSpPr>
-        <p:spPr>
-          <a:xfrm>
-            <a:off x="4754880" y="1188720"/>
-            <a:ext cx="3840480" cy="1415772"/>
-          </a:xfrm>
-          <a:prstGeom prst="rect">
-            <a:avLst/>
-          </a:prstGeom>
-          <a:noFill/>
-        </p:spPr>
-        <p:txBody>
-          <a:bodyPr wrap="square">
-            <a:spAutoFit/>
-          </a:bodyPr>
-          <a:lstStyle/>
-          <a:p>
-            <a:pPr marL="0" indent="0">
-              <a:buNone/>
-              <a:defRPr sz="1400" b="1">
-                <a:solidFill>
-                  <a:srgbClr val="005A8B"/>
-                </a:solidFill>
-              </a:defRPr>
-            </a:pPr>
-            <a:r>
               <a:rPr lang="en-GB" b="1" noProof="1"/>
-              <a:t>NOT STANDARDIZED</a:t>
-            </a:r>
-          </a:p>
-          <a:p>
-            <a:pPr marL="0" indent="0">
-              <a:buNone/>
-            </a:pPr>
-            <a:r>
-              <a:rPr lang="en-GB" noProof="1"/>
-              <a:t>The derivation and analysis for your study</a:t>
-            </a:r>
-          </a:p>
-          <a:p>
-            <a:pPr marL="0" indent="0">
-              <a:buNone/>
-            </a:pPr>
-            <a:r>
-              <a:rPr lang="en-GB" noProof="1"/>
-              <a:t>We standardize the cookbook,</a:t>
-            </a:r>
-          </a:p>
-          <a:p>
-            <a:pPr marL="0" indent="0">
-              <a:buNone/>
-            </a:pPr>
-            <a:r>
-              <a:rPr lang="en-GB" noProof="1"/>
-              <a:t>not the chef's judgment.</a:t>
+              <a:t>Ensures you don't miss decisions.</a:t>
             </a:r>
           </a:p>
         </p:txBody>
@@ -15093,187 +15599,6 @@
       </p:grpSpPr>
       <p:sp>
         <p:nvSpPr>
-          <p:cNvPr id="2" name="TextBox 1"/>
-          <p:cNvSpPr txBox="1"/>
-          <p:nvPr/>
-        </p:nvSpPr>
-        <p:spPr>
-          <a:xfrm>
-            <a:off x="685800" y="274320"/>
-            <a:ext cx="8229600" cy="731520"/>
-          </a:xfrm>
-          <a:prstGeom prst="rect">
-            <a:avLst/>
-          </a:prstGeom>
-          <a:noFill/>
-        </p:spPr>
-        <p:txBody>
-          <a:bodyPr wrap="none">
-            <a:spAutoFit/>
-          </a:bodyPr>
-          <a:lstStyle/>
-          <a:p>
-            <a:pPr marL="0" indent="0">
-              <a:buNone/>
-              <a:defRPr sz="3600" b="1">
-                <a:solidFill>
-                  <a:srgbClr val="005A8B"/>
-                </a:solidFill>
-              </a:defRPr>
-            </a:pPr>
-            <a:r>
-              <a:t>The Cookbook Guides Choices</a:t>
-            </a:r>
-          </a:p>
-        </p:txBody>
-      </p:sp>
-      <p:sp>
-        <p:nvSpPr>
-          <p:cNvPr id="3" name="TextBox 2"/>
-          <p:cNvSpPr txBox="1"/>
-          <p:nvPr/>
-        </p:nvSpPr>
-        <p:spPr>
-          <a:xfrm>
-            <a:off x="685800" y="1188720"/>
-            <a:ext cx="8001000" cy="2831544"/>
-          </a:xfrm>
-          <a:prstGeom prst="rect">
-            <a:avLst/>
-          </a:prstGeom>
-          <a:noFill/>
-        </p:spPr>
-        <p:txBody>
-          <a:bodyPr wrap="square">
-            <a:spAutoFit/>
-          </a:bodyPr>
-          <a:lstStyle/>
-          <a:p>
-            <a:pPr marL="0" indent="0">
-              <a:buNone/>
-              <a:defRPr sz="1600">
-                <a:solidFill>
-                  <a:srgbClr val="333333"/>
-                </a:solidFill>
-              </a:defRPr>
-            </a:pPr>
-            <a:r>
-              <a:rPr lang="en-GB" noProof="1"/>
-              <a:t>For example, ANCOVA template prompts you for:</a:t>
-            </a:r>
-          </a:p>
-          <a:p>
-            <a:pPr marL="285750" indent="-285750">
-              <a:buFont typeface="Arial" panose="020B0604020202020204" pitchFamily="34" charset="0"/>
-              <a:buChar char="•"/>
-            </a:pPr>
-            <a:r>
-              <a:rPr lang="en-GB" b="1" noProof="1"/>
-              <a:t>Required:</a:t>
-            </a:r>
-          </a:p>
-          <a:p>
-            <a:pPr marL="742950" lvl="1" indent="-285750">
-              <a:buFont typeface="Arial" panose="020B0604020202020204" pitchFamily="34" charset="0"/>
-              <a:buChar char="•"/>
-            </a:pPr>
-            <a:r>
-              <a:rPr lang="en-GB" noProof="1"/>
-              <a:t>Response, Treatment, Baseline covariate</a:t>
-            </a:r>
-          </a:p>
-          <a:p>
-            <a:pPr marL="285750" indent="-285750">
-              <a:buFont typeface="Arial" panose="020B0604020202020204" pitchFamily="34" charset="0"/>
-              <a:buChar char="•"/>
-            </a:pPr>
-            <a:r>
-              <a:rPr lang="en-GB" b="1" noProof="1"/>
-              <a:t>Optional:</a:t>
-            </a:r>
-          </a:p>
-          <a:p>
-            <a:pPr marL="742950" lvl="1" indent="-285750">
-              <a:buFont typeface="Arial" panose="020B0604020202020204" pitchFamily="34" charset="0"/>
-              <a:buChar char="•"/>
-            </a:pPr>
-            <a:r>
-              <a:rPr lang="en-GB" noProof="1"/>
-              <a:t>Additional covariates?</a:t>
-            </a:r>
-          </a:p>
-          <a:p>
-            <a:pPr marL="742950" lvl="1" indent="-285750">
-              <a:buFont typeface="Arial" panose="020B0604020202020204" pitchFamily="34" charset="0"/>
-              <a:buChar char="•"/>
-            </a:pPr>
-            <a:r>
-              <a:rPr lang="en-GB" noProof="1"/>
-              <a:t>Include interactions?</a:t>
-            </a:r>
-          </a:p>
-          <a:p>
-            <a:pPr marL="285750" indent="-285750">
-              <a:buFont typeface="Arial" panose="020B0604020202020204" pitchFamily="34" charset="0"/>
-              <a:buChar char="•"/>
-            </a:pPr>
-            <a:r>
-              <a:rPr lang="en-GB" b="1" noProof="1"/>
-              <a:t>Parameters:</a:t>
-            </a:r>
-          </a:p>
-          <a:p>
-            <a:pPr marL="742950" lvl="1" indent="-285750">
-              <a:buFont typeface="Arial" panose="020B0604020202020204" pitchFamily="34" charset="0"/>
-              <a:buChar char="•"/>
-            </a:pPr>
-            <a:r>
-              <a:rPr lang="en-GB" noProof="1"/>
-              <a:t>SS type, Alpha, CI level</a:t>
-            </a:r>
-          </a:p>
-          <a:p>
-            <a:pPr lvl="1"/>
-            <a:endParaRPr lang="en-GB" noProof="1"/>
-          </a:p>
-          <a:p>
-            <a:pPr marL="0" indent="0">
-              <a:buNone/>
-            </a:pPr>
-            <a:r>
-              <a:rPr lang="en-GB" b="1" noProof="1"/>
-              <a:t>Ensures you don't miss decisions.</a:t>
-            </a:r>
-          </a:p>
-        </p:txBody>
-      </p:sp>
-    </p:spTree>
-  </p:cSld>
-  <p:clrMapOvr>
-    <a:masterClrMapping/>
-  </p:clrMapOvr>
-</p:sld>
-</file>
-
-<file path=ppt/slides/slide35.xml><?xml version="1.0" encoding="utf-8"?>
-<p:sld xmlns:a="http://schemas.openxmlformats.org/drawingml/2006/main" xmlns:r="http://schemas.openxmlformats.org/officeDocument/2006/relationships" xmlns:p="http://schemas.openxmlformats.org/presentationml/2006/main">
-  <p:cSld>
-    <p:spTree>
-      <p:nvGrpSpPr>
-        <p:cNvPr id="1" name=""/>
-        <p:cNvGrpSpPr/>
-        <p:nvPr/>
-      </p:nvGrpSpPr>
-      <p:grpSpPr>
-        <a:xfrm>
-          <a:off x="0" y="0"/>
-          <a:ext cx="0" cy="0"/>
-          <a:chOff x="0" y="0"/>
-          <a:chExt cx="0" cy="0"/>
-        </a:xfrm>
-      </p:grpSpPr>
-      <p:sp>
-        <p:nvSpPr>
           <p:cNvPr id="2" name="Title 1">
             <a:extLst>
               <a:ext uri="{FF2B5EF4-FFF2-40B4-BE49-F238E27FC236}">
@@ -15323,7 +15648,7 @@
           <a:p>
             <a:fld id="{EB4FF9C4-EEBF-D24D-8A4E-C0B9CCE3F975}" type="slidenum">
               <a:rPr lang="en-US" smtClean="0"/>
-              <a:t>35</a:t>
+              <a:t>34</a:t>
             </a:fld>
             <a:endParaRPr lang="en-US"/>
           </a:p>
@@ -15718,7 +16043,7 @@
                 <a:ea typeface="Arial" pitchFamily="34" charset="-122"/>
                 <a:cs typeface="Arial" pitchFamily="34" charset="-120"/>
               </a:rPr>
-              <a:t>Standard-Independence</a:t>
+              <a:t>Implementation-Independence</a:t>
             </a:r>
             <a:endParaRPr lang="en-US" sz="975" dirty="0"/>
           </a:p>
@@ -15772,7 +16097,29 @@
                 <a:ea typeface="Arial" pitchFamily="34" charset="-122"/>
                 <a:cs typeface="Arial" pitchFamily="34" charset="-120"/>
               </a:rPr>
-              <a:t>Core specifications work across ADaM, SDTM, OMOP, FHIR, and future standards</a:t>
+              <a:t>Core specifications work across </a:t>
+            </a:r>
+            <a:r>
+              <a:rPr lang="en-US" sz="825" dirty="0" err="1">
+                <a:solidFill>
+                  <a:srgbClr val="333333"/>
+                </a:solidFill>
+                <a:latin typeface="Arial" pitchFamily="34" charset="0"/>
+                <a:ea typeface="Arial" pitchFamily="34" charset="-122"/>
+                <a:cs typeface="Arial" pitchFamily="34" charset="-120"/>
+              </a:rPr>
+              <a:t>ADaM</a:t>
+            </a:r>
+            <a:r>
+              <a:rPr lang="en-US" sz="825" dirty="0">
+                <a:solidFill>
+                  <a:srgbClr val="333333"/>
+                </a:solidFill>
+                <a:latin typeface="Arial" pitchFamily="34" charset="0"/>
+                <a:ea typeface="Arial" pitchFamily="34" charset="-122"/>
+                <a:cs typeface="Arial" pitchFamily="34" charset="-120"/>
+              </a:rPr>
+              <a:t>/SDTM, OMOP, FHIR, and future standards</a:t>
             </a:r>
             <a:endParaRPr lang="en-US" sz="825" dirty="0"/>
           </a:p>
@@ -16789,7 +17136,7 @@
 </p:sld>
 </file>
 
-<file path=ppt/slides/slide36.xml><?xml version="1.0" encoding="utf-8"?>
+<file path=ppt/slides/slide35.xml><?xml version="1.0" encoding="utf-8"?>
 <p:sld xmlns:a="http://schemas.openxmlformats.org/drawingml/2006/main" xmlns:r="http://schemas.openxmlformats.org/officeDocument/2006/relationships" xmlns:p="http://schemas.openxmlformats.org/presentationml/2006/main">
   <p:cSld>
     <p:spTree>
@@ -17545,7 +17892,7 @@
         </p:nvSpPr>
         <p:spPr>
           <a:xfrm>
-            <a:off x="800100" y="1111251"/>
+            <a:off x="800100" y="872349"/>
             <a:ext cx="3819525" cy="2225074"/>
           </a:xfrm>
         </p:spPr>
@@ -17559,7 +17906,7 @@
               <a:buNone/>
             </a:pPr>
             <a:r>
-              <a:rPr sz="1100" b="1"/>
+              <a:rPr sz="1100" b="1" dirty="0"/>
               <a:t>YAML + R Code References</a:t>
             </a:r>
           </a:p>
@@ -17568,7 +17915,7 @@
               <a:buNone/>
             </a:pPr>
             <a:r>
-              <a:rPr sz="1100">
+              <a:rPr sz="1100" dirty="0">
                 <a:latin typeface="Courier New"/>
               </a:rPr>
               <a:t>table:</a:t>
@@ -17579,7 +17926,7 @@
               <a:buNone/>
             </a:pPr>
             <a:r>
-              <a:rPr sz="1100">
+              <a:rPr sz="1100" dirty="0">
                 <a:latin typeface="Courier New"/>
               </a:rPr>
               <a:t>name: ADSL</a:t>
@@ -17590,21 +17937,16 @@
               <a:buNone/>
             </a:pPr>
             <a:r>
-              <a:rPr sz="1100">
+              <a:rPr sz="1100" dirty="0" err="1">
                 <a:latin typeface="Courier New"/>
               </a:rPr>
-              <a:t>filter_domain:</a:t>
-            </a:r>
-          </a:p>
-          <a:p>
-            <a:pPr marL="0" indent="0">
-              <a:buNone/>
-            </a:pPr>
-            <a:r>
-              <a:rPr sz="1100">
+              <a:t>filter_domain</a:t>
+            </a:r>
+            <a:r>
+              <a:rPr sz="1100" dirty="0">
                 <a:latin typeface="Courier New"/>
               </a:rPr>
-              <a:t>- dm: '!is.na(AGE)'  # R syntax</a:t>
+              <a:t>:</a:t>
             </a:r>
           </a:p>
           <a:p>
@@ -17612,10 +17954,22 @@
               <a:buNone/>
             </a:pPr>
             <a:r>
-              <a:rPr sz="1100">
+              <a:rPr sz="1100" dirty="0">
                 <a:latin typeface="Courier New"/>
               </a:rPr>
-              <a:t>column_action:</a:t>
+              <a:t>- dm: '!</a:t>
+            </a:r>
+            <a:r>
+              <a:rPr sz="1100" dirty="0" err="1">
+                <a:latin typeface="Courier New"/>
+              </a:rPr>
+              <a:t>is.na</a:t>
+            </a:r>
+            <a:r>
+              <a:rPr sz="1100" dirty="0">
+                <a:latin typeface="Courier New"/>
+              </a:rPr>
+              <a:t>(AGE)'  # R syntax</a:t>
             </a:r>
           </a:p>
           <a:p>
@@ -17623,7 +17977,24 @@
               <a:buNone/>
             </a:pPr>
             <a:r>
-              <a:rPr sz="1100">
+              <a:rPr sz="1100" dirty="0" err="1">
+                <a:latin typeface="Courier New"/>
+              </a:rPr>
+              <a:t>column_action</a:t>
+            </a:r>
+            <a:r>
+              <a:rPr sz="1100" dirty="0">
+                <a:latin typeface="Courier New"/>
+              </a:rPr>
+              <a:t>:</a:t>
+            </a:r>
+          </a:p>
+          <a:p>
+            <a:pPr marL="0" indent="0">
+              <a:buNone/>
+            </a:pPr>
+            <a:r>
+              <a:rPr sz="1100" dirty="0">
                 <a:latin typeface="Courier New"/>
               </a:rPr>
               <a:t>AGE_GRP1:</a:t>
@@ -17634,10 +18005,16 @@
               <a:buNone/>
             </a:pPr>
             <a:r>
-              <a:rPr sz="1100">
+              <a:rPr sz="1100" dirty="0" err="1">
                 <a:latin typeface="Courier New"/>
               </a:rPr>
-              <a:t>code_id: "age_group_01.R" # code file</a:t>
+              <a:t>code_id</a:t>
+            </a:r>
+            <a:r>
+              <a:rPr sz="1100" dirty="0">
+                <a:latin typeface="Courier New"/>
+              </a:rPr>
+              <a:t>: "age_group_01.R" # code file</a:t>
             </a:r>
           </a:p>
         </p:txBody>
@@ -17660,7 +18037,7 @@
         </p:nvSpPr>
         <p:spPr>
           <a:xfrm>
-            <a:off x="5076824" y="1111251"/>
+            <a:off x="5076824" y="872349"/>
             <a:ext cx="3609975" cy="2225074"/>
           </a:xfrm>
         </p:spPr>
@@ -17836,7 +18213,7 @@
         </p:nvSpPr>
         <p:spPr>
           <a:xfrm>
-            <a:off x="819625" y="3274142"/>
+            <a:off x="800100" y="3035240"/>
             <a:ext cx="3800000" cy="324000"/>
           </a:xfrm>
           <a:prstGeom prst="rect">
@@ -17854,7 +18231,7 @@
               <a:buNone/>
             </a:pPr>
             <a:r>
-              <a:rPr sz="800"/>
+              <a:rPr sz="800" dirty="0"/>
               <a:t>Example from PHUSE EU 2025, Paper SM04</a:t>
             </a:r>
           </a:p>
@@ -17863,7 +18240,7 @@
               <a:buNone/>
             </a:pPr>
             <a:r>
-              <a:rPr sz="800" i="1"/>
+              <a:rPr sz="800" i="1" dirty="0"/>
               <a:t>Matthew Phelps, Nicolai Skov Johnsen, Novo Nordisk</a:t>
             </a:r>
           </a:p>
@@ -17883,7 +18260,7 @@
         </p:nvSpPr>
         <p:spPr>
           <a:xfrm>
-            <a:off x="5076823" y="3274142"/>
+            <a:off x="5076823" y="3035240"/>
             <a:ext cx="3609975" cy="324000"/>
           </a:xfrm>
           <a:prstGeom prst="rect">
@@ -17930,8 +18307,8 @@
         </p:nvSpPr>
         <p:spPr>
           <a:xfrm>
-            <a:off x="1761536" y="3674871"/>
-            <a:ext cx="5620928" cy="1015663"/>
+            <a:off x="800100" y="3560143"/>
+            <a:ext cx="4585528" cy="1169551"/>
           </a:xfrm>
           <a:prstGeom prst="rect">
             <a:avLst/>
@@ -18021,6 +18398,53 @@
               <a:rPr sz="1000" dirty="0"/>
               <a:t>Tells us HOW to compute, but not the analytical purpose</a:t>
             </a:r>
+          </a:p>
+        </p:txBody>
+      </p:sp>
+      <p:sp>
+        <p:nvSpPr>
+          <p:cNvPr id="11" name="TextBox 10">
+            <a:extLst>
+              <a:ext uri="{FF2B5EF4-FFF2-40B4-BE49-F238E27FC236}">
+                <a16:creationId xmlns:a16="http://schemas.microsoft.com/office/drawing/2014/main" id="{912125F1-3B59-BA71-F6FB-423DA4330C14}"/>
+              </a:ext>
+            </a:extLst>
+          </p:cNvPr>
+          <p:cNvSpPr txBox="1"/>
+          <p:nvPr/>
+        </p:nvSpPr>
+        <p:spPr>
+          <a:xfrm>
+            <a:off x="5405153" y="3729420"/>
+            <a:ext cx="3542302" cy="830997"/>
+          </a:xfrm>
+          <a:prstGeom prst="rect">
+            <a:avLst/>
+          </a:prstGeom>
+          <a:noFill/>
+        </p:spPr>
+        <p:txBody>
+          <a:bodyPr wrap="square">
+            <a:spAutoFit/>
+          </a:bodyPr>
+          <a:lstStyle/>
+          <a:p>
+            <a:r>
+              <a:rPr lang="en-GB" sz="1200" i="1" dirty="0">
+                <a:effectLst/>
+                <a:latin typeface="Aptos" panose="020B0004020202020204" pitchFamily="34" charset="0"/>
+                <a:ea typeface="Aptos" panose="020B0004020202020204" pitchFamily="34" charset="0"/>
+                <a:cs typeface="Times New Roman" panose="02020603050405020304" pitchFamily="18" charset="0"/>
+              </a:rPr>
+              <a:t>…if every organisation builds their own LEGO system with proprietary brick sizes, we've just created a hundred incompatible toy boxes. Your bricks won't fit my castle…</a:t>
+            </a:r>
+            <a:r>
+              <a:rPr lang="en-DK" sz="1200" i="1" dirty="0">
+                <a:effectLst/>
+              </a:rPr>
+              <a:t> </a:t>
+            </a:r>
+            <a:endParaRPr lang="en-GB" sz="1200" i="1" dirty="0"/>
           </a:p>
         </p:txBody>
       </p:sp>
@@ -21383,15 +21807,6 @@
 </file>
 
 <file path=customXml/item1.xml><?xml version="1.0" encoding="utf-8"?>
-<?mso-contentType ?>
-<FormTemplates xmlns="http://schemas.microsoft.com/sharepoint/v3/contenttype/forms">
-  <Display>DocumentLibraryForm</Display>
-  <Edit>DocumentLibraryForm</Edit>
-  <New>DocumentLibraryForm</New>
-</FormTemplates>
-</file>
-
-<file path=customXml/item2.xml><?xml version="1.0" encoding="utf-8"?>
 <p:properties xmlns:p="http://schemas.microsoft.com/office/2006/metadata/properties" xmlns:xsi="http://www.w3.org/2001/XMLSchema-instance" xmlns:pc="http://schemas.microsoft.com/office/infopath/2007/PartnerControls">
   <documentManagement>
     <MediaLengthInSeconds xmlns="98eacbea-7562-4a40-a7f2-e999cdc0cec5" xsi:nil="true"/>
@@ -21401,6 +21816,15 @@
     <TaxCatchAll xmlns="75bf9804-c18d-470a-a27f-eeaf4abcd247" xsi:nil="true"/>
   </documentManagement>
 </p:properties>
+</file>
+
+<file path=customXml/item2.xml><?xml version="1.0" encoding="utf-8"?>
+<?mso-contentType ?>
+<FormTemplates xmlns="http://schemas.microsoft.com/sharepoint/v3/contenttype/forms">
+  <Display>DocumentLibraryForm</Display>
+  <Edit>DocumentLibraryForm</Edit>
+  <New>DocumentLibraryForm</New>
+</FormTemplates>
 </file>
 
 <file path=customXml/item3.xml><?xml version="1.0" encoding="utf-8"?>
@@ -21611,14 +22035,6 @@
 </file>
 
 <file path=customXml/itemProps1.xml><?xml version="1.0" encoding="utf-8"?>
-<ds:datastoreItem xmlns:ds="http://schemas.openxmlformats.org/officeDocument/2006/customXml" ds:itemID="{3B69330B-154C-43B9-AAF7-1A571867C6C9}">
-  <ds:schemaRefs>
-    <ds:schemaRef ds:uri="http://schemas.microsoft.com/sharepoint/v3/contenttype/forms"/>
-  </ds:schemaRefs>
-</ds:datastoreItem>
-</file>
-
-<file path=customXml/itemProps2.xml><?xml version="1.0" encoding="utf-8"?>
 <ds:datastoreItem xmlns:ds="http://schemas.openxmlformats.org/officeDocument/2006/customXml" ds:itemID="{EB3EAD0D-AD33-4DE9-A04C-ADBA8D81216E}">
   <ds:schemaRefs>
     <ds:schemaRef ds:uri="http://purl.org/dc/elements/1.1/"/>
@@ -21635,6 +22051,14 @@
     <ds:schemaRef ds:uri="6942efca-e753-43c0-b995-a96645848828"/>
     <ds:schemaRef ds:uri="98eacbea-7562-4a40-a7f2-e999cdc0cec5"/>
     <ds:schemaRef ds:uri="75bf9804-c18d-470a-a27f-eeaf4abcd247"/>
+  </ds:schemaRefs>
+</ds:datastoreItem>
+</file>
+
+<file path=customXml/itemProps2.xml><?xml version="1.0" encoding="utf-8"?>
+<ds:datastoreItem xmlns:ds="http://schemas.openxmlformats.org/officeDocument/2006/customXml" ds:itemID="{3B69330B-154C-43B9-AAF7-1A571867C6C9}">
+  <ds:schemaRefs>
+    <ds:schemaRef ds:uri="http://schemas.microsoft.com/sharepoint/v3/contenttype/forms"/>
   </ds:schemaRefs>
 </ds:datastoreItem>
 </file>

--- a/documents/presentations/general/ACDC_Framework_Final_v6.pptx
+++ b/documents/presentations/general/ACDC_Framework_Final_v6.pptx
@@ -27482,7 +27482,7 @@
             </a:r>
             <a:r>
               <a:rPr lang="en-GB" noProof="1"/>
-              <a:t>Semantic Transformation Elements</a:t>
+              <a:t>Semantic Transformation Concepts</a:t>
             </a:r>
             <a:r>
               <a:rPr dirty="0"/>
@@ -30329,15 +30329,6 @@
 </file>
 
 <file path=customXml/item1.xml><?xml version="1.0" encoding="utf-8"?>
-<?mso-contentType ?>
-<FormTemplates xmlns="http://schemas.microsoft.com/sharepoint/v3/contenttype/forms">
-  <Display>DocumentLibraryForm</Display>
-  <Edit>DocumentLibraryForm</Edit>
-  <New>DocumentLibraryForm</New>
-</FormTemplates>
-</file>
-
-<file path=customXml/item2.xml><?xml version="1.0" encoding="utf-8"?>
 <p:properties xmlns:p="http://schemas.microsoft.com/office/2006/metadata/properties" xmlns:xsi="http://www.w3.org/2001/XMLSchema-instance" xmlns:pc="http://schemas.microsoft.com/office/infopath/2007/PartnerControls">
   <documentManagement>
     <MediaLengthInSeconds xmlns="98eacbea-7562-4a40-a7f2-e999cdc0cec5" xsi:nil="true"/>
@@ -30349,7 +30340,7 @@
 </p:properties>
 </file>
 
-<file path=customXml/item3.xml><?xml version="1.0" encoding="utf-8"?>
+<file path=customXml/item2.xml><?xml version="1.0" encoding="utf-8"?>
 <ct:contentTypeSchema xmlns:ct="http://schemas.microsoft.com/office/2006/metadata/contentType" xmlns:ma="http://schemas.microsoft.com/office/2006/metadata/properties/metaAttributes" ct:_="" ma:_="" ma:contentTypeName="Document" ma:contentTypeID="0x010100D47D794EB48E7144959FE534A5ED3D9A" ma:contentTypeVersion="13" ma:contentTypeDescription="Create a new document." ma:contentTypeScope="" ma:versionID="332ebed6bf1f21540ac8ed4139e2af2e">
   <xsd:schema xmlns:xsd="http://www.w3.org/2001/XMLSchema" xmlns:xs="http://www.w3.org/2001/XMLSchema" xmlns:p="http://schemas.microsoft.com/office/2006/metadata/properties" xmlns:ns2="98eacbea-7562-4a40-a7f2-e999cdc0cec5" xmlns:ns3="75bf9804-c18d-470a-a27f-eeaf4abcd247" targetNamespace="http://schemas.microsoft.com/office/2006/metadata/properties" ma:root="true" ma:fieldsID="9643d50ff51ef4e8f7efba950a0a6c6b" ns2:_="" ns3:_="">
     <xsd:import namespace="98eacbea-7562-4a40-a7f2-e999cdc0cec5"/>
@@ -30556,15 +30547,16 @@
 </ct:contentTypeSchema>
 </file>
 
-<file path=customXml/itemProps1.xml><?xml version="1.0" encoding="utf-8"?>
-<ds:datastoreItem xmlns:ds="http://schemas.openxmlformats.org/officeDocument/2006/customXml" ds:itemID="{3B69330B-154C-43B9-AAF7-1A571867C6C9}">
-  <ds:schemaRefs>
-    <ds:schemaRef ds:uri="http://schemas.microsoft.com/sharepoint/v3/contenttype/forms"/>
-  </ds:schemaRefs>
-</ds:datastoreItem>
+<file path=customXml/item3.xml><?xml version="1.0" encoding="utf-8"?>
+<?mso-contentType ?>
+<FormTemplates xmlns="http://schemas.microsoft.com/sharepoint/v3/contenttype/forms">
+  <Display>DocumentLibraryForm</Display>
+  <Edit>DocumentLibraryForm</Edit>
+  <New>DocumentLibraryForm</New>
+</FormTemplates>
 </file>
 
-<file path=customXml/itemProps2.xml><?xml version="1.0" encoding="utf-8"?>
+<file path=customXml/itemProps1.xml><?xml version="1.0" encoding="utf-8"?>
 <ds:datastoreItem xmlns:ds="http://schemas.openxmlformats.org/officeDocument/2006/customXml" ds:itemID="{EB3EAD0D-AD33-4DE9-A04C-ADBA8D81216E}">
   <ds:schemaRefs>
     <ds:schemaRef ds:uri="http://purl.org/dc/elements/1.1/"/>
@@ -30585,7 +30577,7 @@
 </ds:datastoreItem>
 </file>
 
-<file path=customXml/itemProps3.xml><?xml version="1.0" encoding="utf-8"?>
+<file path=customXml/itemProps2.xml><?xml version="1.0" encoding="utf-8"?>
 <ds:datastoreItem xmlns:ds="http://schemas.openxmlformats.org/officeDocument/2006/customXml" ds:itemID="{39A0DB44-58DC-4864-B5DB-6A708BBC1847}">
   <ds:schemaRefs>
     <ds:schemaRef ds:uri="http://schemas.microsoft.com/office/2006/metadata/contentType"/>
@@ -30602,4 +30594,12 @@
     <ds:schemaRef ds:uri="http://schemas.microsoft.com/internal/obd"/>
   </ds:schemaRefs>
 </ds:datastoreItem>
+</file>
+
+<file path=customXml/itemProps3.xml><?xml version="1.0" encoding="utf-8"?>
+<ds:datastoreItem xmlns:ds="http://schemas.openxmlformats.org/officeDocument/2006/customXml" ds:itemID="{3B69330B-154C-43B9-AAF7-1A571867C6C9}">
+  <ds:schemaRefs>
+    <ds:schemaRef ds:uri="http://schemas.microsoft.com/sharepoint/v3/contenttype/forms"/>
+  </ds:schemaRefs>
+</ds:datastoreItem>
 </file>